--- a/documents/Mask.pptx
+++ b/documents/Mask.pptx
@@ -11,6 +11,9 @@
     <p:sldId id="259" r:id="rId5"/>
     <p:sldId id="260" r:id="rId6"/>
     <p:sldId id="261" r:id="rId7"/>
+    <p:sldId id="262" r:id="rId8"/>
+    <p:sldId id="263" r:id="rId9"/>
+    <p:sldId id="264" r:id="rId10"/>
   </p:sldIdLst>
   <p:sldSz cx="12192000" cy="6858000"/>
   <p:notesSz cx="6858000" cy="9144000"/>
@@ -120,6 +123,9 @@
             <p14:sldId id="259"/>
             <p14:sldId id="260"/>
             <p14:sldId id="261"/>
+            <p14:sldId id="262"/>
+            <p14:sldId id="263"/>
+            <p14:sldId id="264"/>
           </p14:sldIdLst>
         </p14:section>
       </p14:sectionLst>
@@ -278,7 +284,7 @@
           <a:p>
             <a:fld id="{D0E5EED7-6245-4DFD-80FD-1E4A9E302A28}" type="datetimeFigureOut">
               <a:rPr lang="ko-KR" altLang="en-US" smtClean="0"/>
-              <a:t>2025-06-17</a:t>
+              <a:t>2025-06-19</a:t>
             </a:fld>
             <a:endParaRPr lang="ko-KR" altLang="en-US"/>
           </a:p>
@@ -476,7 +482,7 @@
           <a:p>
             <a:fld id="{D0E5EED7-6245-4DFD-80FD-1E4A9E302A28}" type="datetimeFigureOut">
               <a:rPr lang="ko-KR" altLang="en-US" smtClean="0"/>
-              <a:t>2025-06-17</a:t>
+              <a:t>2025-06-19</a:t>
             </a:fld>
             <a:endParaRPr lang="ko-KR" altLang="en-US"/>
           </a:p>
@@ -684,7 +690,7 @@
           <a:p>
             <a:fld id="{D0E5EED7-6245-4DFD-80FD-1E4A9E302A28}" type="datetimeFigureOut">
               <a:rPr lang="ko-KR" altLang="en-US" smtClean="0"/>
-              <a:t>2025-06-17</a:t>
+              <a:t>2025-06-19</a:t>
             </a:fld>
             <a:endParaRPr lang="ko-KR" altLang="en-US"/>
           </a:p>
@@ -882,7 +888,7 @@
           <a:p>
             <a:fld id="{D0E5EED7-6245-4DFD-80FD-1E4A9E302A28}" type="datetimeFigureOut">
               <a:rPr lang="ko-KR" altLang="en-US" smtClean="0"/>
-              <a:t>2025-06-17</a:t>
+              <a:t>2025-06-19</a:t>
             </a:fld>
             <a:endParaRPr lang="ko-KR" altLang="en-US"/>
           </a:p>
@@ -1157,7 +1163,7 @@
           <a:p>
             <a:fld id="{D0E5EED7-6245-4DFD-80FD-1E4A9E302A28}" type="datetimeFigureOut">
               <a:rPr lang="ko-KR" altLang="en-US" smtClean="0"/>
-              <a:t>2025-06-17</a:t>
+              <a:t>2025-06-19</a:t>
             </a:fld>
             <a:endParaRPr lang="ko-KR" altLang="en-US"/>
           </a:p>
@@ -1422,7 +1428,7 @@
           <a:p>
             <a:fld id="{D0E5EED7-6245-4DFD-80FD-1E4A9E302A28}" type="datetimeFigureOut">
               <a:rPr lang="ko-KR" altLang="en-US" smtClean="0"/>
-              <a:t>2025-06-17</a:t>
+              <a:t>2025-06-19</a:t>
             </a:fld>
             <a:endParaRPr lang="ko-KR" altLang="en-US"/>
           </a:p>
@@ -1834,7 +1840,7 @@
           <a:p>
             <a:fld id="{D0E5EED7-6245-4DFD-80FD-1E4A9E302A28}" type="datetimeFigureOut">
               <a:rPr lang="ko-KR" altLang="en-US" smtClean="0"/>
-              <a:t>2025-06-17</a:t>
+              <a:t>2025-06-19</a:t>
             </a:fld>
             <a:endParaRPr lang="ko-KR" altLang="en-US"/>
           </a:p>
@@ -1975,7 +1981,7 @@
           <a:p>
             <a:fld id="{D0E5EED7-6245-4DFD-80FD-1E4A9E302A28}" type="datetimeFigureOut">
               <a:rPr lang="ko-KR" altLang="en-US" smtClean="0"/>
-              <a:t>2025-06-17</a:t>
+              <a:t>2025-06-19</a:t>
             </a:fld>
             <a:endParaRPr lang="ko-KR" altLang="en-US"/>
           </a:p>
@@ -2088,7 +2094,7 @@
           <a:p>
             <a:fld id="{D0E5EED7-6245-4DFD-80FD-1E4A9E302A28}" type="datetimeFigureOut">
               <a:rPr lang="ko-KR" altLang="en-US" smtClean="0"/>
-              <a:t>2025-06-17</a:t>
+              <a:t>2025-06-19</a:t>
             </a:fld>
             <a:endParaRPr lang="ko-KR" altLang="en-US"/>
           </a:p>
@@ -2399,7 +2405,7 @@
           <a:p>
             <a:fld id="{D0E5EED7-6245-4DFD-80FD-1E4A9E302A28}" type="datetimeFigureOut">
               <a:rPr lang="ko-KR" altLang="en-US" smtClean="0"/>
-              <a:t>2025-06-17</a:t>
+              <a:t>2025-06-19</a:t>
             </a:fld>
             <a:endParaRPr lang="ko-KR" altLang="en-US"/>
           </a:p>
@@ -2687,7 +2693,7 @@
           <a:p>
             <a:fld id="{D0E5EED7-6245-4DFD-80FD-1E4A9E302A28}" type="datetimeFigureOut">
               <a:rPr lang="ko-KR" altLang="en-US" smtClean="0"/>
-              <a:t>2025-06-17</a:t>
+              <a:t>2025-06-19</a:t>
             </a:fld>
             <a:endParaRPr lang="ko-KR" altLang="en-US"/>
           </a:p>
@@ -2928,7 +2934,7 @@
           <a:p>
             <a:fld id="{D0E5EED7-6245-4DFD-80FD-1E4A9E302A28}" type="datetimeFigureOut">
               <a:rPr lang="ko-KR" altLang="en-US" smtClean="0"/>
-              <a:t>2025-06-17</a:t>
+              <a:t>2025-06-19</a:t>
             </a:fld>
             <a:endParaRPr lang="ko-KR" altLang="en-US"/>
           </a:p>
@@ -7312,36 +7318,6 @@
           <a:chExt cx="0" cy="0"/>
         </a:xfrm>
       </p:grpSpPr>
-      <p:pic>
-        <p:nvPicPr>
-          <p:cNvPr id="5" name="그림 4">
-            <a:extLst>
-              <a:ext uri="{FF2B5EF4-FFF2-40B4-BE49-F238E27FC236}">
-                <a16:creationId xmlns:a16="http://schemas.microsoft.com/office/drawing/2014/main" id="{7852291B-30EE-44E1-8433-DAE522208DE0}"/>
-              </a:ext>
-            </a:extLst>
-          </p:cNvPr>
-          <p:cNvPicPr>
-            <a:picLocks noChangeAspect="1"/>
-          </p:cNvPicPr>
-          <p:nvPr/>
-        </p:nvPicPr>
-        <p:blipFill>
-          <a:blip r:embed="rId2"/>
-          <a:stretch>
-            <a:fillRect/>
-          </a:stretch>
-        </p:blipFill>
-        <p:spPr>
-          <a:xfrm>
-            <a:off x="488661" y="1127974"/>
-            <a:ext cx="10983858" cy="4734586"/>
-          </a:xfrm>
-          <a:prstGeom prst="rect">
-            <a:avLst/>
-          </a:prstGeom>
-        </p:spPr>
-      </p:pic>
       <p:sp>
         <p:nvSpPr>
           <p:cNvPr id="6" name="제목 1">
@@ -7397,10 +7373,3432 @@
           </a:p>
         </p:txBody>
       </p:sp>
+      <p:pic>
+        <p:nvPicPr>
+          <p:cNvPr id="3" name="그림 2">
+            <a:extLst>
+              <a:ext uri="{FF2B5EF4-FFF2-40B4-BE49-F238E27FC236}">
+                <a16:creationId xmlns:a16="http://schemas.microsoft.com/office/drawing/2014/main" id="{B7F1FA97-EC21-4060-A4E6-D58DDCC8EE83}"/>
+              </a:ext>
+            </a:extLst>
+          </p:cNvPr>
+          <p:cNvPicPr>
+            <a:picLocks noChangeAspect="1"/>
+          </p:cNvPicPr>
+          <p:nvPr/>
+        </p:nvPicPr>
+        <p:blipFill>
+          <a:blip r:embed="rId2"/>
+          <a:stretch>
+            <a:fillRect/>
+          </a:stretch>
+        </p:blipFill>
+        <p:spPr>
+          <a:xfrm>
+            <a:off x="750413" y="1061707"/>
+            <a:ext cx="10336067" cy="4734586"/>
+          </a:xfrm>
+          <a:prstGeom prst="rect">
+            <a:avLst/>
+          </a:prstGeom>
+        </p:spPr>
+      </p:pic>
     </p:spTree>
     <p:extLst>
       <p:ext uri="{BB962C8B-B14F-4D97-AF65-F5344CB8AC3E}">
         <p14:creationId xmlns:p14="http://schemas.microsoft.com/office/powerpoint/2010/main" val="1106298480"/>
+      </p:ext>
+    </p:extLst>
+  </p:cSld>
+  <p:clrMapOvr>
+    <a:masterClrMapping/>
+  </p:clrMapOvr>
+</p:sld>
+</file>
+
+<file path=ppt/slides/slide7.xml><?xml version="1.0" encoding="utf-8"?>
+<p:sld xmlns:a="http://schemas.openxmlformats.org/drawingml/2006/main" xmlns:r="http://schemas.openxmlformats.org/officeDocument/2006/relationships" xmlns:p="http://schemas.openxmlformats.org/presentationml/2006/main">
+  <p:cSld>
+    <p:spTree>
+      <p:nvGrpSpPr>
+        <p:cNvPr id="1" name=""/>
+        <p:cNvGrpSpPr/>
+        <p:nvPr/>
+      </p:nvGrpSpPr>
+      <p:grpSpPr>
+        <a:xfrm>
+          <a:off x="0" y="0"/>
+          <a:ext cx="0" cy="0"/>
+          <a:chOff x="0" y="0"/>
+          <a:chExt cx="0" cy="0"/>
+        </a:xfrm>
+      </p:grpSpPr>
+      <p:sp>
+        <p:nvSpPr>
+          <p:cNvPr id="4" name="제목 1">
+            <a:extLst>
+              <a:ext uri="{FF2B5EF4-FFF2-40B4-BE49-F238E27FC236}">
+                <a16:creationId xmlns:a16="http://schemas.microsoft.com/office/drawing/2014/main" id="{526DDE02-AAA3-4742-A750-EA1EED214287}"/>
+              </a:ext>
+            </a:extLst>
+          </p:cNvPr>
+          <p:cNvSpPr txBox="1">
+            <a:spLocks/>
+          </p:cNvSpPr>
+          <p:nvPr/>
+        </p:nvSpPr>
+        <p:spPr>
+          <a:xfrm>
+            <a:off x="243396" y="125428"/>
+            <a:ext cx="10515600" cy="629174"/>
+          </a:xfrm>
+          <a:prstGeom prst="rect">
+            <a:avLst/>
+          </a:prstGeom>
+        </p:spPr>
+        <p:txBody>
+          <a:bodyPr vert="horz" lIns="91440" tIns="45720" rIns="91440" bIns="45720" rtlCol="0" anchor="ctr">
+            <a:normAutofit/>
+          </a:bodyPr>
+          <a:lstStyle>
+            <a:lvl1pPr algn="l" defTabSz="914400" rtl="0" eaLnBrk="1" latinLnBrk="1" hangingPunct="1">
+              <a:lnSpc>
+                <a:spcPct val="90000"/>
+              </a:lnSpc>
+              <a:spcBef>
+                <a:spcPct val="0"/>
+              </a:spcBef>
+              <a:buNone/>
+              <a:defRPr sz="4400" kern="1200">
+                <a:solidFill>
+                  <a:schemeClr val="tx1"/>
+                </a:solidFill>
+                <a:latin typeface="+mj-lt"/>
+                <a:ea typeface="+mj-ea"/>
+                <a:cs typeface="+mj-cs"/>
+              </a:defRPr>
+            </a:lvl1pPr>
+          </a:lstStyle>
+          <a:p>
+            <a:r>
+              <a:rPr lang="ko-KR" altLang="en-US" sz="3200" dirty="0"/>
+              <a:t>데이터 분석 </a:t>
+            </a:r>
+            <a:r>
+              <a:rPr lang="en-US" altLang="ko-KR" sz="3200" dirty="0"/>
+              <a:t>- </a:t>
+            </a:r>
+            <a:r>
+              <a:rPr lang="ko-KR" altLang="en-US" sz="3200" dirty="0"/>
+              <a:t>환경 관련 평균 비교</a:t>
+            </a:r>
+            <a:endParaRPr lang="en-US" altLang="ko-KR" sz="3200" dirty="0"/>
+          </a:p>
+        </p:txBody>
+      </p:sp>
+      <p:pic>
+        <p:nvPicPr>
+          <p:cNvPr id="6" name="그림 5">
+            <a:extLst>
+              <a:ext uri="{FF2B5EF4-FFF2-40B4-BE49-F238E27FC236}">
+                <a16:creationId xmlns:a16="http://schemas.microsoft.com/office/drawing/2014/main" id="{B881D813-8CD7-49BF-A5AF-ECB5EDF1B3EC}"/>
+              </a:ext>
+            </a:extLst>
+          </p:cNvPr>
+          <p:cNvPicPr>
+            <a:picLocks noChangeAspect="1"/>
+          </p:cNvPicPr>
+          <p:nvPr/>
+        </p:nvPicPr>
+        <p:blipFill>
+          <a:blip r:embed="rId2"/>
+          <a:stretch>
+            <a:fillRect/>
+          </a:stretch>
+        </p:blipFill>
+        <p:spPr>
+          <a:xfrm>
+            <a:off x="6800684" y="754602"/>
+            <a:ext cx="4961859" cy="1968192"/>
+          </a:xfrm>
+          <a:prstGeom prst="rect">
+            <a:avLst/>
+          </a:prstGeom>
+        </p:spPr>
+      </p:pic>
+      <p:pic>
+        <p:nvPicPr>
+          <p:cNvPr id="8" name="그림 7">
+            <a:extLst>
+              <a:ext uri="{FF2B5EF4-FFF2-40B4-BE49-F238E27FC236}">
+                <a16:creationId xmlns:a16="http://schemas.microsoft.com/office/drawing/2014/main" id="{CC067CA4-9D4F-4344-836F-DD5E886A10D6}"/>
+              </a:ext>
+            </a:extLst>
+          </p:cNvPr>
+          <p:cNvPicPr>
+            <a:picLocks noChangeAspect="1"/>
+          </p:cNvPicPr>
+          <p:nvPr/>
+        </p:nvPicPr>
+        <p:blipFill>
+          <a:blip r:embed="rId3"/>
+          <a:stretch>
+            <a:fillRect/>
+          </a:stretch>
+        </p:blipFill>
+        <p:spPr>
+          <a:xfrm>
+            <a:off x="243396" y="2000080"/>
+            <a:ext cx="4394446" cy="1839239"/>
+          </a:xfrm>
+          <a:prstGeom prst="rect">
+            <a:avLst/>
+          </a:prstGeom>
+        </p:spPr>
+      </p:pic>
+      <p:sp>
+        <p:nvSpPr>
+          <p:cNvPr id="9" name="내용 개체 틀 2">
+            <a:extLst>
+              <a:ext uri="{FF2B5EF4-FFF2-40B4-BE49-F238E27FC236}">
+                <a16:creationId xmlns:a16="http://schemas.microsoft.com/office/drawing/2014/main" id="{00FFF826-7EE4-435C-9DBF-50EFA91D29E9}"/>
+              </a:ext>
+            </a:extLst>
+          </p:cNvPr>
+          <p:cNvSpPr txBox="1">
+            <a:spLocks/>
+          </p:cNvSpPr>
+          <p:nvPr/>
+        </p:nvSpPr>
+        <p:spPr>
+          <a:xfrm>
+            <a:off x="243397" y="1124242"/>
+            <a:ext cx="4710344" cy="1175074"/>
+          </a:xfrm>
+          <a:prstGeom prst="rect">
+            <a:avLst/>
+          </a:prstGeom>
+        </p:spPr>
+        <p:txBody>
+          <a:bodyPr vert="horz" lIns="91440" tIns="45720" rIns="91440" bIns="45720" rtlCol="0">
+            <a:normAutofit/>
+          </a:bodyPr>
+          <a:lstStyle>
+            <a:lvl1pPr marL="228600" indent="-228600" algn="l" defTabSz="914400" rtl="0" eaLnBrk="1" latinLnBrk="1" hangingPunct="1">
+              <a:lnSpc>
+                <a:spcPct val="90000"/>
+              </a:lnSpc>
+              <a:spcBef>
+                <a:spcPts val="1000"/>
+              </a:spcBef>
+              <a:buFont typeface="Arial" panose="020B0604020202020204" pitchFamily="34" charset="0"/>
+              <a:buChar char="•"/>
+              <a:defRPr sz="2800" kern="1200">
+                <a:solidFill>
+                  <a:schemeClr val="tx1"/>
+                </a:solidFill>
+                <a:latin typeface="+mn-lt"/>
+                <a:ea typeface="+mn-ea"/>
+                <a:cs typeface="+mn-cs"/>
+              </a:defRPr>
+            </a:lvl1pPr>
+            <a:lvl2pPr marL="685800" indent="-228600" algn="l" defTabSz="914400" rtl="0" eaLnBrk="1" latinLnBrk="1" hangingPunct="1">
+              <a:lnSpc>
+                <a:spcPct val="90000"/>
+              </a:lnSpc>
+              <a:spcBef>
+                <a:spcPts val="500"/>
+              </a:spcBef>
+              <a:buFont typeface="Arial" panose="020B0604020202020204" pitchFamily="34" charset="0"/>
+              <a:buChar char="•"/>
+              <a:defRPr sz="2400" kern="1200">
+                <a:solidFill>
+                  <a:schemeClr val="tx1"/>
+                </a:solidFill>
+                <a:latin typeface="+mn-lt"/>
+                <a:ea typeface="+mn-ea"/>
+                <a:cs typeface="+mn-cs"/>
+              </a:defRPr>
+            </a:lvl2pPr>
+            <a:lvl3pPr marL="1143000" indent="-228600" algn="l" defTabSz="914400" rtl="0" eaLnBrk="1" latinLnBrk="1" hangingPunct="1">
+              <a:lnSpc>
+                <a:spcPct val="90000"/>
+              </a:lnSpc>
+              <a:spcBef>
+                <a:spcPts val="500"/>
+              </a:spcBef>
+              <a:buFont typeface="Arial" panose="020B0604020202020204" pitchFamily="34" charset="0"/>
+              <a:buChar char="•"/>
+              <a:defRPr sz="2000" kern="1200">
+                <a:solidFill>
+                  <a:schemeClr val="tx1"/>
+                </a:solidFill>
+                <a:latin typeface="+mn-lt"/>
+                <a:ea typeface="+mn-ea"/>
+                <a:cs typeface="+mn-cs"/>
+              </a:defRPr>
+            </a:lvl3pPr>
+            <a:lvl4pPr marL="1600200" indent="-228600" algn="l" defTabSz="914400" rtl="0" eaLnBrk="1" latinLnBrk="1" hangingPunct="1">
+              <a:lnSpc>
+                <a:spcPct val="90000"/>
+              </a:lnSpc>
+              <a:spcBef>
+                <a:spcPts val="500"/>
+              </a:spcBef>
+              <a:buFont typeface="Arial" panose="020B0604020202020204" pitchFamily="34" charset="0"/>
+              <a:buChar char="•"/>
+              <a:defRPr sz="1800" kern="1200">
+                <a:solidFill>
+                  <a:schemeClr val="tx1"/>
+                </a:solidFill>
+                <a:latin typeface="+mn-lt"/>
+                <a:ea typeface="+mn-ea"/>
+                <a:cs typeface="+mn-cs"/>
+              </a:defRPr>
+            </a:lvl4pPr>
+            <a:lvl5pPr marL="2057400" indent="-228600" algn="l" defTabSz="914400" rtl="0" eaLnBrk="1" latinLnBrk="1" hangingPunct="1">
+              <a:lnSpc>
+                <a:spcPct val="90000"/>
+              </a:lnSpc>
+              <a:spcBef>
+                <a:spcPts val="500"/>
+              </a:spcBef>
+              <a:buFont typeface="Arial" panose="020B0604020202020204" pitchFamily="34" charset="0"/>
+              <a:buChar char="•"/>
+              <a:defRPr sz="1800" kern="1200">
+                <a:solidFill>
+                  <a:schemeClr val="tx1"/>
+                </a:solidFill>
+                <a:latin typeface="+mn-lt"/>
+                <a:ea typeface="+mn-ea"/>
+                <a:cs typeface="+mn-cs"/>
+              </a:defRPr>
+            </a:lvl5pPr>
+            <a:lvl6pPr marL="2514600" indent="-228600" algn="l" defTabSz="914400" rtl="0" eaLnBrk="1" latinLnBrk="1" hangingPunct="1">
+              <a:lnSpc>
+                <a:spcPct val="90000"/>
+              </a:lnSpc>
+              <a:spcBef>
+                <a:spcPts val="500"/>
+              </a:spcBef>
+              <a:buFont typeface="Arial" panose="020B0604020202020204" pitchFamily="34" charset="0"/>
+              <a:buChar char="•"/>
+              <a:defRPr sz="1800" kern="1200">
+                <a:solidFill>
+                  <a:schemeClr val="tx1"/>
+                </a:solidFill>
+                <a:latin typeface="+mn-lt"/>
+                <a:ea typeface="+mn-ea"/>
+                <a:cs typeface="+mn-cs"/>
+              </a:defRPr>
+            </a:lvl6pPr>
+            <a:lvl7pPr marL="2971800" indent="-228600" algn="l" defTabSz="914400" rtl="0" eaLnBrk="1" latinLnBrk="1" hangingPunct="1">
+              <a:lnSpc>
+                <a:spcPct val="90000"/>
+              </a:lnSpc>
+              <a:spcBef>
+                <a:spcPts val="500"/>
+              </a:spcBef>
+              <a:buFont typeface="Arial" panose="020B0604020202020204" pitchFamily="34" charset="0"/>
+              <a:buChar char="•"/>
+              <a:defRPr sz="1800" kern="1200">
+                <a:solidFill>
+                  <a:schemeClr val="tx1"/>
+                </a:solidFill>
+                <a:latin typeface="+mn-lt"/>
+                <a:ea typeface="+mn-ea"/>
+                <a:cs typeface="+mn-cs"/>
+              </a:defRPr>
+            </a:lvl7pPr>
+            <a:lvl8pPr marL="3429000" indent="-228600" algn="l" defTabSz="914400" rtl="0" eaLnBrk="1" latinLnBrk="1" hangingPunct="1">
+              <a:lnSpc>
+                <a:spcPct val="90000"/>
+              </a:lnSpc>
+              <a:spcBef>
+                <a:spcPts val="500"/>
+              </a:spcBef>
+              <a:buFont typeface="Arial" panose="020B0604020202020204" pitchFamily="34" charset="0"/>
+              <a:buChar char="•"/>
+              <a:defRPr sz="1800" kern="1200">
+                <a:solidFill>
+                  <a:schemeClr val="tx1"/>
+                </a:solidFill>
+                <a:latin typeface="+mn-lt"/>
+                <a:ea typeface="+mn-ea"/>
+                <a:cs typeface="+mn-cs"/>
+              </a:defRPr>
+            </a:lvl8pPr>
+            <a:lvl9pPr marL="3886200" indent="-228600" algn="l" defTabSz="914400" rtl="0" eaLnBrk="1" latinLnBrk="1" hangingPunct="1">
+              <a:lnSpc>
+                <a:spcPct val="90000"/>
+              </a:lnSpc>
+              <a:spcBef>
+                <a:spcPts val="500"/>
+              </a:spcBef>
+              <a:buFont typeface="Arial" panose="020B0604020202020204" pitchFamily="34" charset="0"/>
+              <a:buChar char="•"/>
+              <a:defRPr sz="1800" kern="1200">
+                <a:solidFill>
+                  <a:schemeClr val="tx1"/>
+                </a:solidFill>
+                <a:latin typeface="+mn-lt"/>
+                <a:ea typeface="+mn-ea"/>
+                <a:cs typeface="+mn-cs"/>
+              </a:defRPr>
+            </a:lvl9pPr>
+          </a:lstStyle>
+          <a:p>
+            <a:pPr marL="0" indent="0">
+              <a:buFont typeface="Arial" panose="020B0604020202020204" pitchFamily="34" charset="0"/>
+              <a:buNone/>
+            </a:pPr>
+            <a:endParaRPr lang="ko-KR" altLang="en-US" sz="1600" dirty="0"/>
+          </a:p>
+        </p:txBody>
+      </p:sp>
+      <p:sp>
+        <p:nvSpPr>
+          <p:cNvPr id="10" name="내용 개체 틀 2">
+            <a:extLst>
+              <a:ext uri="{FF2B5EF4-FFF2-40B4-BE49-F238E27FC236}">
+                <a16:creationId xmlns:a16="http://schemas.microsoft.com/office/drawing/2014/main" id="{B2DF5CF7-39D4-4312-8A4C-B18D232606BE}"/>
+              </a:ext>
+            </a:extLst>
+          </p:cNvPr>
+          <p:cNvSpPr txBox="1">
+            <a:spLocks/>
+          </p:cNvSpPr>
+          <p:nvPr/>
+        </p:nvSpPr>
+        <p:spPr>
+          <a:xfrm>
+            <a:off x="6800684" y="2960133"/>
+            <a:ext cx="4607511" cy="1175074"/>
+          </a:xfrm>
+          <a:prstGeom prst="rect">
+            <a:avLst/>
+          </a:prstGeom>
+        </p:spPr>
+        <p:txBody>
+          <a:bodyPr vert="horz" lIns="91440" tIns="45720" rIns="91440" bIns="45720" rtlCol="0">
+            <a:normAutofit fontScale="62500" lnSpcReduction="20000"/>
+          </a:bodyPr>
+          <a:lstStyle>
+            <a:lvl1pPr marL="228600" indent="-228600" algn="l" defTabSz="914400" rtl="0" eaLnBrk="1" latinLnBrk="1" hangingPunct="1">
+              <a:lnSpc>
+                <a:spcPct val="90000"/>
+              </a:lnSpc>
+              <a:spcBef>
+                <a:spcPts val="1000"/>
+              </a:spcBef>
+              <a:buFont typeface="Arial" panose="020B0604020202020204" pitchFamily="34" charset="0"/>
+              <a:buChar char="•"/>
+              <a:defRPr sz="2800" kern="1200">
+                <a:solidFill>
+                  <a:schemeClr val="tx1"/>
+                </a:solidFill>
+                <a:latin typeface="+mn-lt"/>
+                <a:ea typeface="+mn-ea"/>
+                <a:cs typeface="+mn-cs"/>
+              </a:defRPr>
+            </a:lvl1pPr>
+            <a:lvl2pPr marL="685800" indent="-228600" algn="l" defTabSz="914400" rtl="0" eaLnBrk="1" latinLnBrk="1" hangingPunct="1">
+              <a:lnSpc>
+                <a:spcPct val="90000"/>
+              </a:lnSpc>
+              <a:spcBef>
+                <a:spcPts val="500"/>
+              </a:spcBef>
+              <a:buFont typeface="Arial" panose="020B0604020202020204" pitchFamily="34" charset="0"/>
+              <a:buChar char="•"/>
+              <a:defRPr sz="2400" kern="1200">
+                <a:solidFill>
+                  <a:schemeClr val="tx1"/>
+                </a:solidFill>
+                <a:latin typeface="+mn-lt"/>
+                <a:ea typeface="+mn-ea"/>
+                <a:cs typeface="+mn-cs"/>
+              </a:defRPr>
+            </a:lvl2pPr>
+            <a:lvl3pPr marL="1143000" indent="-228600" algn="l" defTabSz="914400" rtl="0" eaLnBrk="1" latinLnBrk="1" hangingPunct="1">
+              <a:lnSpc>
+                <a:spcPct val="90000"/>
+              </a:lnSpc>
+              <a:spcBef>
+                <a:spcPts val="500"/>
+              </a:spcBef>
+              <a:buFont typeface="Arial" panose="020B0604020202020204" pitchFamily="34" charset="0"/>
+              <a:buChar char="•"/>
+              <a:defRPr sz="2000" kern="1200">
+                <a:solidFill>
+                  <a:schemeClr val="tx1"/>
+                </a:solidFill>
+                <a:latin typeface="+mn-lt"/>
+                <a:ea typeface="+mn-ea"/>
+                <a:cs typeface="+mn-cs"/>
+              </a:defRPr>
+            </a:lvl3pPr>
+            <a:lvl4pPr marL="1600200" indent="-228600" algn="l" defTabSz="914400" rtl="0" eaLnBrk="1" latinLnBrk="1" hangingPunct="1">
+              <a:lnSpc>
+                <a:spcPct val="90000"/>
+              </a:lnSpc>
+              <a:spcBef>
+                <a:spcPts val="500"/>
+              </a:spcBef>
+              <a:buFont typeface="Arial" panose="020B0604020202020204" pitchFamily="34" charset="0"/>
+              <a:buChar char="•"/>
+              <a:defRPr sz="1800" kern="1200">
+                <a:solidFill>
+                  <a:schemeClr val="tx1"/>
+                </a:solidFill>
+                <a:latin typeface="+mn-lt"/>
+                <a:ea typeface="+mn-ea"/>
+                <a:cs typeface="+mn-cs"/>
+              </a:defRPr>
+            </a:lvl4pPr>
+            <a:lvl5pPr marL="2057400" indent="-228600" algn="l" defTabSz="914400" rtl="0" eaLnBrk="1" latinLnBrk="1" hangingPunct="1">
+              <a:lnSpc>
+                <a:spcPct val="90000"/>
+              </a:lnSpc>
+              <a:spcBef>
+                <a:spcPts val="500"/>
+              </a:spcBef>
+              <a:buFont typeface="Arial" panose="020B0604020202020204" pitchFamily="34" charset="0"/>
+              <a:buChar char="•"/>
+              <a:defRPr sz="1800" kern="1200">
+                <a:solidFill>
+                  <a:schemeClr val="tx1"/>
+                </a:solidFill>
+                <a:latin typeface="+mn-lt"/>
+                <a:ea typeface="+mn-ea"/>
+                <a:cs typeface="+mn-cs"/>
+              </a:defRPr>
+            </a:lvl5pPr>
+            <a:lvl6pPr marL="2514600" indent="-228600" algn="l" defTabSz="914400" rtl="0" eaLnBrk="1" latinLnBrk="1" hangingPunct="1">
+              <a:lnSpc>
+                <a:spcPct val="90000"/>
+              </a:lnSpc>
+              <a:spcBef>
+                <a:spcPts val="500"/>
+              </a:spcBef>
+              <a:buFont typeface="Arial" panose="020B0604020202020204" pitchFamily="34" charset="0"/>
+              <a:buChar char="•"/>
+              <a:defRPr sz="1800" kern="1200">
+                <a:solidFill>
+                  <a:schemeClr val="tx1"/>
+                </a:solidFill>
+                <a:latin typeface="+mn-lt"/>
+                <a:ea typeface="+mn-ea"/>
+                <a:cs typeface="+mn-cs"/>
+              </a:defRPr>
+            </a:lvl6pPr>
+            <a:lvl7pPr marL="2971800" indent="-228600" algn="l" defTabSz="914400" rtl="0" eaLnBrk="1" latinLnBrk="1" hangingPunct="1">
+              <a:lnSpc>
+                <a:spcPct val="90000"/>
+              </a:lnSpc>
+              <a:spcBef>
+                <a:spcPts val="500"/>
+              </a:spcBef>
+              <a:buFont typeface="Arial" panose="020B0604020202020204" pitchFamily="34" charset="0"/>
+              <a:buChar char="•"/>
+              <a:defRPr sz="1800" kern="1200">
+                <a:solidFill>
+                  <a:schemeClr val="tx1"/>
+                </a:solidFill>
+                <a:latin typeface="+mn-lt"/>
+                <a:ea typeface="+mn-ea"/>
+                <a:cs typeface="+mn-cs"/>
+              </a:defRPr>
+            </a:lvl7pPr>
+            <a:lvl8pPr marL="3429000" indent="-228600" algn="l" defTabSz="914400" rtl="0" eaLnBrk="1" latinLnBrk="1" hangingPunct="1">
+              <a:lnSpc>
+                <a:spcPct val="90000"/>
+              </a:lnSpc>
+              <a:spcBef>
+                <a:spcPts val="500"/>
+              </a:spcBef>
+              <a:buFont typeface="Arial" panose="020B0604020202020204" pitchFamily="34" charset="0"/>
+              <a:buChar char="•"/>
+              <a:defRPr sz="1800" kern="1200">
+                <a:solidFill>
+                  <a:schemeClr val="tx1"/>
+                </a:solidFill>
+                <a:latin typeface="+mn-lt"/>
+                <a:ea typeface="+mn-ea"/>
+                <a:cs typeface="+mn-cs"/>
+              </a:defRPr>
+            </a:lvl8pPr>
+            <a:lvl9pPr marL="3886200" indent="-228600" algn="l" defTabSz="914400" rtl="0" eaLnBrk="1" latinLnBrk="1" hangingPunct="1">
+              <a:lnSpc>
+                <a:spcPct val="90000"/>
+              </a:lnSpc>
+              <a:spcBef>
+                <a:spcPts val="500"/>
+              </a:spcBef>
+              <a:buFont typeface="Arial" panose="020B0604020202020204" pitchFamily="34" charset="0"/>
+              <a:buChar char="•"/>
+              <a:defRPr sz="1800" kern="1200">
+                <a:solidFill>
+                  <a:schemeClr val="tx1"/>
+                </a:solidFill>
+                <a:latin typeface="+mn-lt"/>
+                <a:ea typeface="+mn-ea"/>
+                <a:cs typeface="+mn-cs"/>
+              </a:defRPr>
+            </a:lvl9pPr>
+          </a:lstStyle>
+          <a:p>
+            <a:pPr marL="0" indent="0">
+              <a:buFont typeface="Arial" panose="020B0604020202020204" pitchFamily="34" charset="0"/>
+              <a:buNone/>
+            </a:pPr>
+            <a:r>
+              <a:rPr lang="en-US" altLang="ko-KR" sz="1500" dirty="0"/>
+              <a:t>PM10 </a:t>
+            </a:r>
+            <a:r>
+              <a:rPr lang="ko-KR" altLang="en-US" sz="1500" dirty="0"/>
+              <a:t>및 </a:t>
+            </a:r>
+            <a:r>
+              <a:rPr lang="en-US" altLang="ko-KR" sz="1500" dirty="0"/>
+              <a:t>PM25 </a:t>
+            </a:r>
+            <a:r>
+              <a:rPr lang="ko-KR" altLang="en-US" sz="1500" dirty="0"/>
+              <a:t>등급이 ‘나쁨</a:t>
+            </a:r>
+            <a:r>
+              <a:rPr lang="en-US" altLang="ko-KR" sz="1500" dirty="0"/>
+              <a:t>~</a:t>
+            </a:r>
+            <a:r>
+              <a:rPr lang="ko-KR" altLang="en-US" sz="1500" dirty="0" err="1"/>
+              <a:t>매우나쁨’으로</a:t>
+            </a:r>
+            <a:r>
+              <a:rPr lang="ko-KR" altLang="en-US" sz="1500" dirty="0"/>
+              <a:t> 높아질수록</a:t>
+            </a:r>
+            <a:r>
+              <a:rPr lang="en-US" altLang="ko-KR" sz="1500" dirty="0"/>
+              <a:t>, </a:t>
+            </a:r>
+            <a:r>
+              <a:rPr lang="ko-KR" altLang="en-US" sz="1500" dirty="0"/>
+              <a:t>대부분의 대기오염 지표도 동반 상승</a:t>
+            </a:r>
+            <a:endParaRPr lang="en-US" altLang="ko-KR" sz="1500" dirty="0"/>
+          </a:p>
+          <a:p>
+            <a:pPr marL="0" indent="0">
+              <a:buFont typeface="Arial" panose="020B0604020202020204" pitchFamily="34" charset="0"/>
+              <a:buNone/>
+            </a:pPr>
+            <a:r>
+              <a:rPr lang="en-US" altLang="ko-KR" sz="1600" dirty="0"/>
+              <a:t>NO₂, PM10, PM25</a:t>
+            </a:r>
+            <a:r>
+              <a:rPr lang="ko-KR" altLang="en-US" sz="1600" dirty="0"/>
+              <a:t>는 고등급에서 가장 큰 폭의 증가를 보임</a:t>
+            </a:r>
+            <a:endParaRPr lang="en-US" altLang="ko-KR" sz="1600" dirty="0"/>
+          </a:p>
+          <a:p>
+            <a:pPr marL="0" indent="0">
+              <a:buFont typeface="Arial" panose="020B0604020202020204" pitchFamily="34" charset="0"/>
+              <a:buNone/>
+            </a:pPr>
+            <a:r>
+              <a:rPr lang="en-US" altLang="ko-KR" sz="1600" dirty="0"/>
+              <a:t>O₃, SO₂ </a:t>
+            </a:r>
+            <a:r>
+              <a:rPr lang="ko-KR" altLang="en-US" sz="1600" dirty="0"/>
+              <a:t>등은 상대적으로 등급 변화에 영향이 적거나 일</a:t>
+            </a:r>
+            <a:endParaRPr lang="en-US" altLang="ko-KR" sz="1600" dirty="0"/>
+          </a:p>
+          <a:p>
+            <a:pPr marL="0" indent="0">
+              <a:buFont typeface="Arial" panose="020B0604020202020204" pitchFamily="34" charset="0"/>
+              <a:buNone/>
+            </a:pPr>
+            <a:r>
+              <a:rPr lang="en-US" altLang="ko-KR" sz="1500" dirty="0"/>
+              <a:t>PM10</a:t>
+            </a:r>
+            <a:r>
+              <a:rPr lang="ko-KR" altLang="en-US" sz="1500" dirty="0"/>
+              <a:t>과 </a:t>
+            </a:r>
+            <a:r>
+              <a:rPr lang="en-US" altLang="ko-KR" sz="1500" dirty="0"/>
+              <a:t>PM25</a:t>
+            </a:r>
+            <a:r>
+              <a:rPr lang="ko-KR" altLang="en-US" sz="1500" dirty="0"/>
+              <a:t>는 서로 높은 양의 상관관계를 보여주며</a:t>
+            </a:r>
+            <a:r>
+              <a:rPr lang="en-US" altLang="ko-KR" sz="1500" dirty="0"/>
+              <a:t>, </a:t>
+            </a:r>
+            <a:r>
+              <a:rPr lang="ko-KR" altLang="en-US" sz="1500" dirty="0"/>
+              <a:t>등급별 변화도 유사함</a:t>
+            </a:r>
+          </a:p>
+        </p:txBody>
+      </p:sp>
+      <p:sp>
+        <p:nvSpPr>
+          <p:cNvPr id="11" name="내용 개체 틀 2">
+            <a:extLst>
+              <a:ext uri="{FF2B5EF4-FFF2-40B4-BE49-F238E27FC236}">
+                <a16:creationId xmlns:a16="http://schemas.microsoft.com/office/drawing/2014/main" id="{FB16DD15-895B-424F-B022-A96F9DB1E467}"/>
+              </a:ext>
+            </a:extLst>
+          </p:cNvPr>
+          <p:cNvSpPr txBox="1">
+            <a:spLocks/>
+          </p:cNvSpPr>
+          <p:nvPr/>
+        </p:nvSpPr>
+        <p:spPr>
+          <a:xfrm>
+            <a:off x="243396" y="993681"/>
+            <a:ext cx="5576655" cy="875838"/>
+          </a:xfrm>
+          <a:prstGeom prst="rect">
+            <a:avLst/>
+          </a:prstGeom>
+        </p:spPr>
+        <p:txBody>
+          <a:bodyPr vert="horz" lIns="91440" tIns="45720" rIns="91440" bIns="45720" rtlCol="0">
+            <a:normAutofit fontScale="55000" lnSpcReduction="20000"/>
+          </a:bodyPr>
+          <a:lstStyle>
+            <a:lvl1pPr marL="228600" indent="-228600" algn="l" defTabSz="914400" rtl="0" eaLnBrk="1" latinLnBrk="1" hangingPunct="1">
+              <a:lnSpc>
+                <a:spcPct val="90000"/>
+              </a:lnSpc>
+              <a:spcBef>
+                <a:spcPts val="1000"/>
+              </a:spcBef>
+              <a:buFont typeface="Arial" panose="020B0604020202020204" pitchFamily="34" charset="0"/>
+              <a:buChar char="•"/>
+              <a:defRPr sz="2800" kern="1200">
+                <a:solidFill>
+                  <a:schemeClr val="tx1"/>
+                </a:solidFill>
+                <a:latin typeface="+mn-lt"/>
+                <a:ea typeface="+mn-ea"/>
+                <a:cs typeface="+mn-cs"/>
+              </a:defRPr>
+            </a:lvl1pPr>
+            <a:lvl2pPr marL="685800" indent="-228600" algn="l" defTabSz="914400" rtl="0" eaLnBrk="1" latinLnBrk="1" hangingPunct="1">
+              <a:lnSpc>
+                <a:spcPct val="90000"/>
+              </a:lnSpc>
+              <a:spcBef>
+                <a:spcPts val="500"/>
+              </a:spcBef>
+              <a:buFont typeface="Arial" panose="020B0604020202020204" pitchFamily="34" charset="0"/>
+              <a:buChar char="•"/>
+              <a:defRPr sz="2400" kern="1200">
+                <a:solidFill>
+                  <a:schemeClr val="tx1"/>
+                </a:solidFill>
+                <a:latin typeface="+mn-lt"/>
+                <a:ea typeface="+mn-ea"/>
+                <a:cs typeface="+mn-cs"/>
+              </a:defRPr>
+            </a:lvl2pPr>
+            <a:lvl3pPr marL="1143000" indent="-228600" algn="l" defTabSz="914400" rtl="0" eaLnBrk="1" latinLnBrk="1" hangingPunct="1">
+              <a:lnSpc>
+                <a:spcPct val="90000"/>
+              </a:lnSpc>
+              <a:spcBef>
+                <a:spcPts val="500"/>
+              </a:spcBef>
+              <a:buFont typeface="Arial" panose="020B0604020202020204" pitchFamily="34" charset="0"/>
+              <a:buChar char="•"/>
+              <a:defRPr sz="2000" kern="1200">
+                <a:solidFill>
+                  <a:schemeClr val="tx1"/>
+                </a:solidFill>
+                <a:latin typeface="+mn-lt"/>
+                <a:ea typeface="+mn-ea"/>
+                <a:cs typeface="+mn-cs"/>
+              </a:defRPr>
+            </a:lvl3pPr>
+            <a:lvl4pPr marL="1600200" indent="-228600" algn="l" defTabSz="914400" rtl="0" eaLnBrk="1" latinLnBrk="1" hangingPunct="1">
+              <a:lnSpc>
+                <a:spcPct val="90000"/>
+              </a:lnSpc>
+              <a:spcBef>
+                <a:spcPts val="500"/>
+              </a:spcBef>
+              <a:buFont typeface="Arial" panose="020B0604020202020204" pitchFamily="34" charset="0"/>
+              <a:buChar char="•"/>
+              <a:defRPr sz="1800" kern="1200">
+                <a:solidFill>
+                  <a:schemeClr val="tx1"/>
+                </a:solidFill>
+                <a:latin typeface="+mn-lt"/>
+                <a:ea typeface="+mn-ea"/>
+                <a:cs typeface="+mn-cs"/>
+              </a:defRPr>
+            </a:lvl4pPr>
+            <a:lvl5pPr marL="2057400" indent="-228600" algn="l" defTabSz="914400" rtl="0" eaLnBrk="1" latinLnBrk="1" hangingPunct="1">
+              <a:lnSpc>
+                <a:spcPct val="90000"/>
+              </a:lnSpc>
+              <a:spcBef>
+                <a:spcPts val="500"/>
+              </a:spcBef>
+              <a:buFont typeface="Arial" panose="020B0604020202020204" pitchFamily="34" charset="0"/>
+              <a:buChar char="•"/>
+              <a:defRPr sz="1800" kern="1200">
+                <a:solidFill>
+                  <a:schemeClr val="tx1"/>
+                </a:solidFill>
+                <a:latin typeface="+mn-lt"/>
+                <a:ea typeface="+mn-ea"/>
+                <a:cs typeface="+mn-cs"/>
+              </a:defRPr>
+            </a:lvl5pPr>
+            <a:lvl6pPr marL="2514600" indent="-228600" algn="l" defTabSz="914400" rtl="0" eaLnBrk="1" latinLnBrk="1" hangingPunct="1">
+              <a:lnSpc>
+                <a:spcPct val="90000"/>
+              </a:lnSpc>
+              <a:spcBef>
+                <a:spcPts val="500"/>
+              </a:spcBef>
+              <a:buFont typeface="Arial" panose="020B0604020202020204" pitchFamily="34" charset="0"/>
+              <a:buChar char="•"/>
+              <a:defRPr sz="1800" kern="1200">
+                <a:solidFill>
+                  <a:schemeClr val="tx1"/>
+                </a:solidFill>
+                <a:latin typeface="+mn-lt"/>
+                <a:ea typeface="+mn-ea"/>
+                <a:cs typeface="+mn-cs"/>
+              </a:defRPr>
+            </a:lvl6pPr>
+            <a:lvl7pPr marL="2971800" indent="-228600" algn="l" defTabSz="914400" rtl="0" eaLnBrk="1" latinLnBrk="1" hangingPunct="1">
+              <a:lnSpc>
+                <a:spcPct val="90000"/>
+              </a:lnSpc>
+              <a:spcBef>
+                <a:spcPts val="500"/>
+              </a:spcBef>
+              <a:buFont typeface="Arial" panose="020B0604020202020204" pitchFamily="34" charset="0"/>
+              <a:buChar char="•"/>
+              <a:defRPr sz="1800" kern="1200">
+                <a:solidFill>
+                  <a:schemeClr val="tx1"/>
+                </a:solidFill>
+                <a:latin typeface="+mn-lt"/>
+                <a:ea typeface="+mn-ea"/>
+                <a:cs typeface="+mn-cs"/>
+              </a:defRPr>
+            </a:lvl7pPr>
+            <a:lvl8pPr marL="3429000" indent="-228600" algn="l" defTabSz="914400" rtl="0" eaLnBrk="1" latinLnBrk="1" hangingPunct="1">
+              <a:lnSpc>
+                <a:spcPct val="90000"/>
+              </a:lnSpc>
+              <a:spcBef>
+                <a:spcPts val="500"/>
+              </a:spcBef>
+              <a:buFont typeface="Arial" panose="020B0604020202020204" pitchFamily="34" charset="0"/>
+              <a:buChar char="•"/>
+              <a:defRPr sz="1800" kern="1200">
+                <a:solidFill>
+                  <a:schemeClr val="tx1"/>
+                </a:solidFill>
+                <a:latin typeface="+mn-lt"/>
+                <a:ea typeface="+mn-ea"/>
+                <a:cs typeface="+mn-cs"/>
+              </a:defRPr>
+            </a:lvl8pPr>
+            <a:lvl9pPr marL="3886200" indent="-228600" algn="l" defTabSz="914400" rtl="0" eaLnBrk="1" latinLnBrk="1" hangingPunct="1">
+              <a:lnSpc>
+                <a:spcPct val="90000"/>
+              </a:lnSpc>
+              <a:spcBef>
+                <a:spcPts val="500"/>
+              </a:spcBef>
+              <a:buFont typeface="Arial" panose="020B0604020202020204" pitchFamily="34" charset="0"/>
+              <a:buChar char="•"/>
+              <a:defRPr sz="1800" kern="1200">
+                <a:solidFill>
+                  <a:schemeClr val="tx1"/>
+                </a:solidFill>
+                <a:latin typeface="+mn-lt"/>
+                <a:ea typeface="+mn-ea"/>
+                <a:cs typeface="+mn-cs"/>
+              </a:defRPr>
+            </a:lvl9pPr>
+          </a:lstStyle>
+          <a:p>
+            <a:pPr marL="0" indent="0">
+              <a:buFont typeface="Arial" panose="020B0604020202020204" pitchFamily="34" charset="0"/>
+              <a:buNone/>
+            </a:pPr>
+            <a:r>
+              <a:rPr lang="ko-KR" altLang="en-US" sz="1600" dirty="0"/>
+              <a:t>습도 수준에 따라 온도</a:t>
+            </a:r>
+            <a:r>
+              <a:rPr lang="en-US" altLang="ko-KR" sz="1600" dirty="0"/>
+              <a:t>, </a:t>
+            </a:r>
+            <a:r>
+              <a:rPr lang="ko-KR" altLang="en-US" sz="1600" dirty="0"/>
+              <a:t>기압</a:t>
+            </a:r>
+            <a:r>
+              <a:rPr lang="en-US" altLang="ko-KR" sz="1600" dirty="0"/>
+              <a:t>, </a:t>
+            </a:r>
+            <a:r>
+              <a:rPr lang="ko-KR" altLang="en-US" sz="1600" dirty="0"/>
+              <a:t>체감온도 등의 평균값에 뚜렷한 차이가 나타남</a:t>
+            </a:r>
+            <a:endParaRPr lang="en-US" altLang="ko-KR" sz="1600" dirty="0"/>
+          </a:p>
+          <a:p>
+            <a:pPr marL="0" indent="0">
+              <a:buFont typeface="Arial" panose="020B0604020202020204" pitchFamily="34" charset="0"/>
+              <a:buNone/>
+            </a:pPr>
+            <a:r>
+              <a:rPr lang="ko-KR" altLang="en-US" sz="1400" dirty="0"/>
+              <a:t>‘높음’ 구간은 기온과 체감온도가 모두 낮게 나타나며</a:t>
+            </a:r>
+            <a:r>
+              <a:rPr lang="en-US" altLang="ko-KR" sz="1400" dirty="0"/>
+              <a:t>, </a:t>
+            </a:r>
+            <a:r>
+              <a:rPr lang="ko-KR" altLang="en-US" sz="1400" dirty="0"/>
+              <a:t>고습 환경에서 체감온도 하락 경향이 확인됨</a:t>
+            </a:r>
+            <a:endParaRPr lang="en-US" altLang="ko-KR" sz="1400" dirty="0"/>
+          </a:p>
+          <a:p>
+            <a:pPr marL="0" indent="0">
+              <a:buFont typeface="Arial" panose="020B0604020202020204" pitchFamily="34" charset="0"/>
+              <a:buNone/>
+            </a:pPr>
+            <a:r>
+              <a:rPr lang="ko-KR" altLang="en-US" sz="1400" dirty="0"/>
+              <a:t>‘낮음’ 구간에서는 일사량과 지면온도가 높고</a:t>
+            </a:r>
+            <a:r>
+              <a:rPr lang="en-US" altLang="ko-KR" sz="1400" dirty="0"/>
+              <a:t>, </a:t>
+            </a:r>
+            <a:r>
+              <a:rPr lang="ko-KR" altLang="en-US" sz="1400" dirty="0"/>
+              <a:t>가시거리</a:t>
+            </a:r>
+            <a:r>
+              <a:rPr lang="en-US" altLang="ko-KR" sz="1400" dirty="0"/>
+              <a:t>(</a:t>
+            </a:r>
+            <a:r>
+              <a:rPr lang="ko-KR" altLang="en-US" sz="1400" dirty="0"/>
+              <a:t>시정</a:t>
+            </a:r>
+            <a:r>
+              <a:rPr lang="en-US" altLang="ko-KR" sz="1400" dirty="0"/>
+              <a:t>)</a:t>
+            </a:r>
+            <a:r>
+              <a:rPr lang="ko-KR" altLang="en-US" sz="1400" dirty="0"/>
+              <a:t>도 개선되는 경향이 있음</a:t>
+            </a:r>
+            <a:endParaRPr lang="en-US" altLang="ko-KR" sz="1400" dirty="0"/>
+          </a:p>
+          <a:p>
+            <a:pPr marL="0" indent="0">
+              <a:buFont typeface="Arial" panose="020B0604020202020204" pitchFamily="34" charset="0"/>
+              <a:buNone/>
+            </a:pPr>
+            <a:r>
+              <a:rPr lang="ko-KR" altLang="en-US" sz="1600" dirty="0"/>
+              <a:t>일부 </a:t>
+            </a:r>
+            <a:r>
+              <a:rPr lang="ko-KR" altLang="en-US" sz="1600" dirty="0" err="1"/>
+              <a:t>극단값</a:t>
+            </a:r>
+            <a:r>
+              <a:rPr lang="en-US" altLang="ko-KR" sz="1600" dirty="0"/>
+              <a:t>(</a:t>
+            </a:r>
+            <a:r>
+              <a:rPr lang="ko-KR" altLang="en-US" sz="1600" dirty="0"/>
+              <a:t>적설</a:t>
+            </a:r>
+            <a:r>
+              <a:rPr lang="en-US" altLang="ko-KR" sz="1600" dirty="0"/>
+              <a:t>, </a:t>
+            </a:r>
+            <a:r>
+              <a:rPr lang="ko-KR" altLang="en-US" sz="1600" dirty="0"/>
+              <a:t>일사 등</a:t>
+            </a:r>
+            <a:r>
+              <a:rPr lang="en-US" altLang="ko-KR" sz="1600" dirty="0"/>
+              <a:t>) </a:t>
+            </a:r>
+            <a:r>
+              <a:rPr lang="ko-KR" altLang="en-US" sz="1600" dirty="0"/>
+              <a:t>제외 시 공통적으로 기온</a:t>
+            </a:r>
+            <a:r>
+              <a:rPr lang="en-US" altLang="ko-KR" sz="1600" dirty="0"/>
+              <a:t>·</a:t>
+            </a:r>
+            <a:r>
+              <a:rPr lang="ko-KR" altLang="en-US" sz="1600" dirty="0"/>
+              <a:t>기압</a:t>
+            </a:r>
+            <a:r>
+              <a:rPr lang="en-US" altLang="ko-KR" sz="1600" dirty="0"/>
+              <a:t>·</a:t>
+            </a:r>
+            <a:r>
+              <a:rPr lang="ko-KR" altLang="en-US" sz="1600" dirty="0"/>
+              <a:t>습도는 유의미한 변동성 존재</a:t>
+            </a:r>
+          </a:p>
+        </p:txBody>
+      </p:sp>
+      <p:sp>
+        <p:nvSpPr>
+          <p:cNvPr id="14" name="사각형: 둥근 모서리 13">
+            <a:extLst>
+              <a:ext uri="{FF2B5EF4-FFF2-40B4-BE49-F238E27FC236}">
+                <a16:creationId xmlns:a16="http://schemas.microsoft.com/office/drawing/2014/main" id="{BC3706F1-45BB-4816-B279-FE844CEC6CB0}"/>
+              </a:ext>
+            </a:extLst>
+          </p:cNvPr>
+          <p:cNvSpPr/>
+          <p:nvPr/>
+        </p:nvSpPr>
+        <p:spPr>
+          <a:xfrm>
+            <a:off x="343269" y="4998967"/>
+            <a:ext cx="11505461" cy="1722065"/>
+          </a:xfrm>
+          <a:prstGeom prst="roundRect">
+            <a:avLst/>
+          </a:prstGeom>
+          <a:noFill/>
+        </p:spPr>
+        <p:style>
+          <a:lnRef idx="2">
+            <a:schemeClr val="accent1">
+              <a:shade val="50000"/>
+            </a:schemeClr>
+          </a:lnRef>
+          <a:fillRef idx="1">
+            <a:schemeClr val="accent1"/>
+          </a:fillRef>
+          <a:effectRef idx="0">
+            <a:schemeClr val="accent1"/>
+          </a:effectRef>
+          <a:fontRef idx="minor">
+            <a:schemeClr val="lt1"/>
+          </a:fontRef>
+        </p:style>
+        <p:txBody>
+          <a:bodyPr rtlCol="0" anchor="ctr"/>
+          <a:lstStyle/>
+          <a:p>
+            <a:pPr algn="ctr"/>
+            <a:endParaRPr lang="ko-KR" altLang="en-US"/>
+          </a:p>
+        </p:txBody>
+      </p:sp>
+      <p:sp>
+        <p:nvSpPr>
+          <p:cNvPr id="15" name="내용 개체 틀 2">
+            <a:extLst>
+              <a:ext uri="{FF2B5EF4-FFF2-40B4-BE49-F238E27FC236}">
+                <a16:creationId xmlns:a16="http://schemas.microsoft.com/office/drawing/2014/main" id="{748F3ED1-F2DF-4F70-BCE3-70206708BAD1}"/>
+              </a:ext>
+            </a:extLst>
+          </p:cNvPr>
+          <p:cNvSpPr txBox="1">
+            <a:spLocks/>
+          </p:cNvSpPr>
+          <p:nvPr/>
+        </p:nvSpPr>
+        <p:spPr>
+          <a:xfrm>
+            <a:off x="561162" y="5074500"/>
+            <a:ext cx="10926543" cy="1668094"/>
+          </a:xfrm>
+          <a:prstGeom prst="rect">
+            <a:avLst/>
+          </a:prstGeom>
+        </p:spPr>
+        <p:txBody>
+          <a:bodyPr vert="horz" lIns="91440" tIns="45720" rIns="91440" bIns="45720" rtlCol="0">
+            <a:normAutofit fontScale="92500" lnSpcReduction="20000"/>
+          </a:bodyPr>
+          <a:lstStyle>
+            <a:lvl1pPr marL="228600" indent="-228600" algn="l" defTabSz="914400" rtl="0" eaLnBrk="1" latinLnBrk="1" hangingPunct="1">
+              <a:lnSpc>
+                <a:spcPct val="90000"/>
+              </a:lnSpc>
+              <a:spcBef>
+                <a:spcPts val="1000"/>
+              </a:spcBef>
+              <a:buFont typeface="Arial" panose="020B0604020202020204" pitchFamily="34" charset="0"/>
+              <a:buChar char="•"/>
+              <a:defRPr sz="2800" kern="1200">
+                <a:solidFill>
+                  <a:schemeClr val="tx1"/>
+                </a:solidFill>
+                <a:latin typeface="+mn-lt"/>
+                <a:ea typeface="+mn-ea"/>
+                <a:cs typeface="+mn-cs"/>
+              </a:defRPr>
+            </a:lvl1pPr>
+            <a:lvl2pPr marL="685800" indent="-228600" algn="l" defTabSz="914400" rtl="0" eaLnBrk="1" latinLnBrk="1" hangingPunct="1">
+              <a:lnSpc>
+                <a:spcPct val="90000"/>
+              </a:lnSpc>
+              <a:spcBef>
+                <a:spcPts val="500"/>
+              </a:spcBef>
+              <a:buFont typeface="Arial" panose="020B0604020202020204" pitchFamily="34" charset="0"/>
+              <a:buChar char="•"/>
+              <a:defRPr sz="2400" kern="1200">
+                <a:solidFill>
+                  <a:schemeClr val="tx1"/>
+                </a:solidFill>
+                <a:latin typeface="+mn-lt"/>
+                <a:ea typeface="+mn-ea"/>
+                <a:cs typeface="+mn-cs"/>
+              </a:defRPr>
+            </a:lvl2pPr>
+            <a:lvl3pPr marL="1143000" indent="-228600" algn="l" defTabSz="914400" rtl="0" eaLnBrk="1" latinLnBrk="1" hangingPunct="1">
+              <a:lnSpc>
+                <a:spcPct val="90000"/>
+              </a:lnSpc>
+              <a:spcBef>
+                <a:spcPts val="500"/>
+              </a:spcBef>
+              <a:buFont typeface="Arial" panose="020B0604020202020204" pitchFamily="34" charset="0"/>
+              <a:buChar char="•"/>
+              <a:defRPr sz="2000" kern="1200">
+                <a:solidFill>
+                  <a:schemeClr val="tx1"/>
+                </a:solidFill>
+                <a:latin typeface="+mn-lt"/>
+                <a:ea typeface="+mn-ea"/>
+                <a:cs typeface="+mn-cs"/>
+              </a:defRPr>
+            </a:lvl3pPr>
+            <a:lvl4pPr marL="1600200" indent="-228600" algn="l" defTabSz="914400" rtl="0" eaLnBrk="1" latinLnBrk="1" hangingPunct="1">
+              <a:lnSpc>
+                <a:spcPct val="90000"/>
+              </a:lnSpc>
+              <a:spcBef>
+                <a:spcPts val="500"/>
+              </a:spcBef>
+              <a:buFont typeface="Arial" panose="020B0604020202020204" pitchFamily="34" charset="0"/>
+              <a:buChar char="•"/>
+              <a:defRPr sz="1800" kern="1200">
+                <a:solidFill>
+                  <a:schemeClr val="tx1"/>
+                </a:solidFill>
+                <a:latin typeface="+mn-lt"/>
+                <a:ea typeface="+mn-ea"/>
+                <a:cs typeface="+mn-cs"/>
+              </a:defRPr>
+            </a:lvl4pPr>
+            <a:lvl5pPr marL="2057400" indent="-228600" algn="l" defTabSz="914400" rtl="0" eaLnBrk="1" latinLnBrk="1" hangingPunct="1">
+              <a:lnSpc>
+                <a:spcPct val="90000"/>
+              </a:lnSpc>
+              <a:spcBef>
+                <a:spcPts val="500"/>
+              </a:spcBef>
+              <a:buFont typeface="Arial" panose="020B0604020202020204" pitchFamily="34" charset="0"/>
+              <a:buChar char="•"/>
+              <a:defRPr sz="1800" kern="1200">
+                <a:solidFill>
+                  <a:schemeClr val="tx1"/>
+                </a:solidFill>
+                <a:latin typeface="+mn-lt"/>
+                <a:ea typeface="+mn-ea"/>
+                <a:cs typeface="+mn-cs"/>
+              </a:defRPr>
+            </a:lvl5pPr>
+            <a:lvl6pPr marL="2514600" indent="-228600" algn="l" defTabSz="914400" rtl="0" eaLnBrk="1" latinLnBrk="1" hangingPunct="1">
+              <a:lnSpc>
+                <a:spcPct val="90000"/>
+              </a:lnSpc>
+              <a:spcBef>
+                <a:spcPts val="500"/>
+              </a:spcBef>
+              <a:buFont typeface="Arial" panose="020B0604020202020204" pitchFamily="34" charset="0"/>
+              <a:buChar char="•"/>
+              <a:defRPr sz="1800" kern="1200">
+                <a:solidFill>
+                  <a:schemeClr val="tx1"/>
+                </a:solidFill>
+                <a:latin typeface="+mn-lt"/>
+                <a:ea typeface="+mn-ea"/>
+                <a:cs typeface="+mn-cs"/>
+              </a:defRPr>
+            </a:lvl6pPr>
+            <a:lvl7pPr marL="2971800" indent="-228600" algn="l" defTabSz="914400" rtl="0" eaLnBrk="1" latinLnBrk="1" hangingPunct="1">
+              <a:lnSpc>
+                <a:spcPct val="90000"/>
+              </a:lnSpc>
+              <a:spcBef>
+                <a:spcPts val="500"/>
+              </a:spcBef>
+              <a:buFont typeface="Arial" panose="020B0604020202020204" pitchFamily="34" charset="0"/>
+              <a:buChar char="•"/>
+              <a:defRPr sz="1800" kern="1200">
+                <a:solidFill>
+                  <a:schemeClr val="tx1"/>
+                </a:solidFill>
+                <a:latin typeface="+mn-lt"/>
+                <a:ea typeface="+mn-ea"/>
+                <a:cs typeface="+mn-cs"/>
+              </a:defRPr>
+            </a:lvl7pPr>
+            <a:lvl8pPr marL="3429000" indent="-228600" algn="l" defTabSz="914400" rtl="0" eaLnBrk="1" latinLnBrk="1" hangingPunct="1">
+              <a:lnSpc>
+                <a:spcPct val="90000"/>
+              </a:lnSpc>
+              <a:spcBef>
+                <a:spcPts val="500"/>
+              </a:spcBef>
+              <a:buFont typeface="Arial" panose="020B0604020202020204" pitchFamily="34" charset="0"/>
+              <a:buChar char="•"/>
+              <a:defRPr sz="1800" kern="1200">
+                <a:solidFill>
+                  <a:schemeClr val="tx1"/>
+                </a:solidFill>
+                <a:latin typeface="+mn-lt"/>
+                <a:ea typeface="+mn-ea"/>
+                <a:cs typeface="+mn-cs"/>
+              </a:defRPr>
+            </a:lvl8pPr>
+            <a:lvl9pPr marL="3886200" indent="-228600" algn="l" defTabSz="914400" rtl="0" eaLnBrk="1" latinLnBrk="1" hangingPunct="1">
+              <a:lnSpc>
+                <a:spcPct val="90000"/>
+              </a:lnSpc>
+              <a:spcBef>
+                <a:spcPts val="500"/>
+              </a:spcBef>
+              <a:buFont typeface="Arial" panose="020B0604020202020204" pitchFamily="34" charset="0"/>
+              <a:buChar char="•"/>
+              <a:defRPr sz="1800" kern="1200">
+                <a:solidFill>
+                  <a:schemeClr val="tx1"/>
+                </a:solidFill>
+                <a:latin typeface="+mn-lt"/>
+                <a:ea typeface="+mn-ea"/>
+                <a:cs typeface="+mn-cs"/>
+              </a:defRPr>
+            </a:lvl9pPr>
+          </a:lstStyle>
+          <a:p>
+            <a:pPr marL="0" indent="0">
+              <a:buNone/>
+            </a:pPr>
+            <a:r>
+              <a:rPr lang="ko-KR" altLang="en-US" sz="1600" dirty="0"/>
+              <a:t>날씨 요인과 대기 질은 각각 습도 범주</a:t>
+            </a:r>
+            <a:r>
+              <a:rPr lang="en-US" altLang="ko-KR" sz="1600" dirty="0"/>
+              <a:t>, </a:t>
+            </a:r>
+            <a:r>
+              <a:rPr lang="ko-KR" altLang="en-US" sz="1600" dirty="0"/>
+              <a:t>미세먼지 등급에 따라 일관된 변화 양상을 보임</a:t>
+            </a:r>
+            <a:br>
+              <a:rPr lang="ko-KR" altLang="en-US" sz="1600" dirty="0"/>
+            </a:br>
+            <a:r>
+              <a:rPr lang="en-US" altLang="ko-KR" sz="1600" dirty="0"/>
+              <a:t>- </a:t>
+            </a:r>
+            <a:r>
+              <a:rPr lang="ko-KR" altLang="en-US" sz="1100" dirty="0"/>
+              <a:t>고습 환경에서는 기온 및 체감온도가 하락</a:t>
+            </a:r>
+            <a:endParaRPr lang="en-US" altLang="ko-KR" sz="1100" dirty="0"/>
+          </a:p>
+          <a:p>
+            <a:pPr>
+              <a:buFontTx/>
+              <a:buChar char="-"/>
+            </a:pPr>
+            <a:r>
+              <a:rPr lang="ko-KR" altLang="en-US" sz="1100" dirty="0"/>
+              <a:t>저습 환경에서는 일사량</a:t>
+            </a:r>
+            <a:r>
+              <a:rPr lang="en-US" altLang="ko-KR" sz="1100" dirty="0"/>
+              <a:t>·</a:t>
+            </a:r>
+            <a:r>
+              <a:rPr lang="ko-KR" altLang="en-US" sz="1100" dirty="0"/>
+              <a:t>지면온도 상승 및 시정 개선 경향</a:t>
+            </a:r>
+            <a:endParaRPr lang="en-US" altLang="ko-KR" sz="1100" dirty="0"/>
+          </a:p>
+          <a:p>
+            <a:pPr>
+              <a:buFontTx/>
+              <a:buChar char="-"/>
+            </a:pPr>
+            <a:r>
+              <a:rPr lang="en-US" altLang="ko-KR" sz="1200" dirty="0"/>
+              <a:t>PM10/PM25 </a:t>
+            </a:r>
+            <a:r>
+              <a:rPr lang="ko-KR" altLang="en-US" sz="1200" dirty="0"/>
+              <a:t>등급별로 높을수록 대기오염지표 전반이 동반 상승</a:t>
+            </a:r>
+            <a:endParaRPr lang="en-US" altLang="ko-KR" sz="1200" b="1" dirty="0"/>
+          </a:p>
+          <a:p>
+            <a:pPr marL="0" indent="0">
+              <a:buFont typeface="Arial" panose="020B0604020202020204" pitchFamily="34" charset="0"/>
+              <a:buNone/>
+            </a:pPr>
+            <a:endParaRPr lang="en-US" altLang="ko-KR" sz="1600" b="1" dirty="0"/>
+          </a:p>
+          <a:p>
+            <a:pPr marL="0" indent="0">
+              <a:buFont typeface="Arial" panose="020B0604020202020204" pitchFamily="34" charset="0"/>
+              <a:buNone/>
+            </a:pPr>
+            <a:r>
+              <a:rPr lang="ko-KR" altLang="en-US" sz="1600" dirty="0"/>
+              <a:t>체감온도</a:t>
+            </a:r>
+            <a:r>
+              <a:rPr lang="en-US" altLang="ko-KR" sz="1600" dirty="0"/>
+              <a:t>, </a:t>
+            </a:r>
+            <a:r>
+              <a:rPr lang="ko-KR" altLang="en-US" sz="1600" dirty="0"/>
+              <a:t>일조량</a:t>
+            </a:r>
+            <a:r>
+              <a:rPr lang="en-US" altLang="ko-KR" sz="1600" dirty="0"/>
+              <a:t>, </a:t>
+            </a:r>
+            <a:r>
+              <a:rPr lang="ko-KR" altLang="en-US" sz="1600" dirty="0"/>
+              <a:t>미세먼지</a:t>
+            </a:r>
+            <a:r>
+              <a:rPr lang="en-US" altLang="ko-KR" sz="1600" dirty="0"/>
+              <a:t>(PM) </a:t>
+            </a:r>
+            <a:r>
+              <a:rPr lang="ko-KR" altLang="en-US" sz="1600" dirty="0"/>
+              <a:t>농도 등은 마스크 </a:t>
+            </a:r>
+            <a:r>
+              <a:rPr lang="ko-KR" altLang="en-US" sz="1600" dirty="0">
+                <a:highlight>
+                  <a:srgbClr val="FFFF00"/>
+                </a:highlight>
+              </a:rPr>
+              <a:t>수요 예측</a:t>
+            </a:r>
+            <a:r>
+              <a:rPr lang="en-US" altLang="ko-KR" sz="1600" dirty="0">
+                <a:highlight>
+                  <a:srgbClr val="FFFF00"/>
+                </a:highlight>
+              </a:rPr>
+              <a:t>, </a:t>
+            </a:r>
+            <a:r>
+              <a:rPr lang="ko-KR" altLang="en-US" sz="1600" dirty="0">
+                <a:highlight>
+                  <a:srgbClr val="FFFF00"/>
+                </a:highlight>
+              </a:rPr>
+              <a:t>환경 경보 시스템</a:t>
+            </a:r>
+            <a:r>
+              <a:rPr lang="en-US" altLang="ko-KR" sz="1600" dirty="0">
+                <a:highlight>
+                  <a:srgbClr val="FFFF00"/>
+                </a:highlight>
+              </a:rPr>
+              <a:t>, </a:t>
+            </a:r>
+            <a:r>
+              <a:rPr lang="ko-KR" altLang="en-US" sz="1600" dirty="0">
+                <a:highlight>
+                  <a:srgbClr val="FFFF00"/>
+                </a:highlight>
+              </a:rPr>
+              <a:t>계절별 마케팅 전략 설계에 활용 가능</a:t>
+            </a:r>
+            <a:r>
+              <a:rPr lang="ko-KR" altLang="en-US" sz="1600" dirty="0"/>
+              <a:t>할 것으로 보임</a:t>
+            </a:r>
+          </a:p>
+        </p:txBody>
+      </p:sp>
+    </p:spTree>
+    <p:extLst>
+      <p:ext uri="{BB962C8B-B14F-4D97-AF65-F5344CB8AC3E}">
+        <p14:creationId xmlns:p14="http://schemas.microsoft.com/office/powerpoint/2010/main" val="1868066261"/>
+      </p:ext>
+    </p:extLst>
+  </p:cSld>
+  <p:clrMapOvr>
+    <a:masterClrMapping/>
+  </p:clrMapOvr>
+</p:sld>
+</file>
+
+<file path=ppt/slides/slide8.xml><?xml version="1.0" encoding="utf-8"?>
+<p:sld xmlns:a="http://schemas.openxmlformats.org/drawingml/2006/main" xmlns:r="http://schemas.openxmlformats.org/officeDocument/2006/relationships" xmlns:p="http://schemas.openxmlformats.org/presentationml/2006/main">
+  <p:cSld>
+    <p:spTree>
+      <p:nvGrpSpPr>
+        <p:cNvPr id="1" name=""/>
+        <p:cNvGrpSpPr/>
+        <p:nvPr/>
+      </p:nvGrpSpPr>
+      <p:grpSpPr>
+        <a:xfrm>
+          <a:off x="0" y="0"/>
+          <a:ext cx="0" cy="0"/>
+          <a:chOff x="0" y="0"/>
+          <a:chExt cx="0" cy="0"/>
+        </a:xfrm>
+      </p:grpSpPr>
+      <p:sp>
+        <p:nvSpPr>
+          <p:cNvPr id="4" name="제목 1">
+            <a:extLst>
+              <a:ext uri="{FF2B5EF4-FFF2-40B4-BE49-F238E27FC236}">
+                <a16:creationId xmlns:a16="http://schemas.microsoft.com/office/drawing/2014/main" id="{A7F322C8-397E-45C8-A268-F2B1371ABFEA}"/>
+              </a:ext>
+            </a:extLst>
+          </p:cNvPr>
+          <p:cNvSpPr txBox="1">
+            <a:spLocks/>
+          </p:cNvSpPr>
+          <p:nvPr/>
+        </p:nvSpPr>
+        <p:spPr>
+          <a:xfrm>
+            <a:off x="243396" y="125428"/>
+            <a:ext cx="10515600" cy="629174"/>
+          </a:xfrm>
+          <a:prstGeom prst="rect">
+            <a:avLst/>
+          </a:prstGeom>
+        </p:spPr>
+        <p:txBody>
+          <a:bodyPr vert="horz" lIns="91440" tIns="45720" rIns="91440" bIns="45720" rtlCol="0" anchor="ctr">
+            <a:normAutofit/>
+          </a:bodyPr>
+          <a:lstStyle>
+            <a:lvl1pPr algn="l" defTabSz="914400" rtl="0" eaLnBrk="1" latinLnBrk="1" hangingPunct="1">
+              <a:lnSpc>
+                <a:spcPct val="90000"/>
+              </a:lnSpc>
+              <a:spcBef>
+                <a:spcPct val="0"/>
+              </a:spcBef>
+              <a:buNone/>
+              <a:defRPr sz="4400" kern="1200">
+                <a:solidFill>
+                  <a:schemeClr val="tx1"/>
+                </a:solidFill>
+                <a:latin typeface="+mj-lt"/>
+                <a:ea typeface="+mj-ea"/>
+                <a:cs typeface="+mj-cs"/>
+              </a:defRPr>
+            </a:lvl1pPr>
+          </a:lstStyle>
+          <a:p>
+            <a:r>
+              <a:rPr lang="ko-KR" altLang="en-US" sz="3200" dirty="0"/>
+              <a:t>데이터 분석 </a:t>
+            </a:r>
+            <a:r>
+              <a:rPr lang="en-US" altLang="ko-KR" sz="3200" dirty="0"/>
+              <a:t>– </a:t>
+            </a:r>
+            <a:r>
+              <a:rPr lang="ko-KR" altLang="en-US" sz="3200" dirty="0"/>
+              <a:t>마스크 판매 관련 평균 비교</a:t>
+            </a:r>
+            <a:endParaRPr lang="en-US" altLang="ko-KR" sz="3200" dirty="0"/>
+          </a:p>
+        </p:txBody>
+      </p:sp>
+      <p:pic>
+        <p:nvPicPr>
+          <p:cNvPr id="6" name="그림 5">
+            <a:extLst>
+              <a:ext uri="{FF2B5EF4-FFF2-40B4-BE49-F238E27FC236}">
+                <a16:creationId xmlns:a16="http://schemas.microsoft.com/office/drawing/2014/main" id="{F5D58D9A-187E-4D72-B32C-4112091B8D89}"/>
+              </a:ext>
+            </a:extLst>
+          </p:cNvPr>
+          <p:cNvPicPr>
+            <a:picLocks noChangeAspect="1"/>
+          </p:cNvPicPr>
+          <p:nvPr/>
+        </p:nvPicPr>
+        <p:blipFill>
+          <a:blip r:embed="rId2"/>
+          <a:stretch>
+            <a:fillRect/>
+          </a:stretch>
+        </p:blipFill>
+        <p:spPr>
+          <a:xfrm>
+            <a:off x="243397" y="961829"/>
+            <a:ext cx="3664826" cy="1497086"/>
+          </a:xfrm>
+          <a:prstGeom prst="rect">
+            <a:avLst/>
+          </a:prstGeom>
+        </p:spPr>
+      </p:pic>
+      <p:pic>
+        <p:nvPicPr>
+          <p:cNvPr id="8" name="그림 7">
+            <a:extLst>
+              <a:ext uri="{FF2B5EF4-FFF2-40B4-BE49-F238E27FC236}">
+                <a16:creationId xmlns:a16="http://schemas.microsoft.com/office/drawing/2014/main" id="{4E83A173-1C9A-4516-90E9-711B96DDADE6}"/>
+              </a:ext>
+            </a:extLst>
+          </p:cNvPr>
+          <p:cNvPicPr>
+            <a:picLocks noChangeAspect="1"/>
+          </p:cNvPicPr>
+          <p:nvPr/>
+        </p:nvPicPr>
+        <p:blipFill>
+          <a:blip r:embed="rId3"/>
+          <a:stretch>
+            <a:fillRect/>
+          </a:stretch>
+        </p:blipFill>
+        <p:spPr>
+          <a:xfrm>
+            <a:off x="4263587" y="923078"/>
+            <a:ext cx="3664825" cy="1535837"/>
+          </a:xfrm>
+          <a:prstGeom prst="rect">
+            <a:avLst/>
+          </a:prstGeom>
+        </p:spPr>
+      </p:pic>
+      <p:pic>
+        <p:nvPicPr>
+          <p:cNvPr id="10" name="그림 9">
+            <a:extLst>
+              <a:ext uri="{FF2B5EF4-FFF2-40B4-BE49-F238E27FC236}">
+                <a16:creationId xmlns:a16="http://schemas.microsoft.com/office/drawing/2014/main" id="{0286B2A6-8763-4715-BBCD-B26021DC6031}"/>
+              </a:ext>
+            </a:extLst>
+          </p:cNvPr>
+          <p:cNvPicPr>
+            <a:picLocks noChangeAspect="1"/>
+          </p:cNvPicPr>
+          <p:nvPr/>
+        </p:nvPicPr>
+        <p:blipFill>
+          <a:blip r:embed="rId4"/>
+          <a:stretch>
+            <a:fillRect/>
+          </a:stretch>
+        </p:blipFill>
+        <p:spPr>
+          <a:xfrm>
+            <a:off x="8283776" y="963511"/>
+            <a:ext cx="3893853" cy="1646319"/>
+          </a:xfrm>
+          <a:prstGeom prst="rect">
+            <a:avLst/>
+          </a:prstGeom>
+        </p:spPr>
+      </p:pic>
+      <p:sp>
+        <p:nvSpPr>
+          <p:cNvPr id="11" name="내용 개체 틀 2">
+            <a:extLst>
+              <a:ext uri="{FF2B5EF4-FFF2-40B4-BE49-F238E27FC236}">
+                <a16:creationId xmlns:a16="http://schemas.microsoft.com/office/drawing/2014/main" id="{611F93E5-265F-47F5-B75B-8B3EBD1A2EC8}"/>
+              </a:ext>
+            </a:extLst>
+          </p:cNvPr>
+          <p:cNvSpPr txBox="1">
+            <a:spLocks/>
+          </p:cNvSpPr>
+          <p:nvPr/>
+        </p:nvSpPr>
+        <p:spPr>
+          <a:xfrm>
+            <a:off x="218811" y="2609346"/>
+            <a:ext cx="3270113" cy="2207152"/>
+          </a:xfrm>
+          <a:prstGeom prst="rect">
+            <a:avLst/>
+          </a:prstGeom>
+        </p:spPr>
+        <p:txBody>
+          <a:bodyPr vert="horz" lIns="91440" tIns="45720" rIns="91440" bIns="45720" rtlCol="0">
+            <a:normAutofit/>
+          </a:bodyPr>
+          <a:lstStyle>
+            <a:lvl1pPr marL="228600" indent="-228600" algn="l" defTabSz="914400" rtl="0" eaLnBrk="1" latinLnBrk="1" hangingPunct="1">
+              <a:lnSpc>
+                <a:spcPct val="90000"/>
+              </a:lnSpc>
+              <a:spcBef>
+                <a:spcPts val="1000"/>
+              </a:spcBef>
+              <a:buFont typeface="Arial" panose="020B0604020202020204" pitchFamily="34" charset="0"/>
+              <a:buChar char="•"/>
+              <a:defRPr sz="2800" kern="1200">
+                <a:solidFill>
+                  <a:schemeClr val="tx1"/>
+                </a:solidFill>
+                <a:latin typeface="+mn-lt"/>
+                <a:ea typeface="+mn-ea"/>
+                <a:cs typeface="+mn-cs"/>
+              </a:defRPr>
+            </a:lvl1pPr>
+            <a:lvl2pPr marL="685800" indent="-228600" algn="l" defTabSz="914400" rtl="0" eaLnBrk="1" latinLnBrk="1" hangingPunct="1">
+              <a:lnSpc>
+                <a:spcPct val="90000"/>
+              </a:lnSpc>
+              <a:spcBef>
+                <a:spcPts val="500"/>
+              </a:spcBef>
+              <a:buFont typeface="Arial" panose="020B0604020202020204" pitchFamily="34" charset="0"/>
+              <a:buChar char="•"/>
+              <a:defRPr sz="2400" kern="1200">
+                <a:solidFill>
+                  <a:schemeClr val="tx1"/>
+                </a:solidFill>
+                <a:latin typeface="+mn-lt"/>
+                <a:ea typeface="+mn-ea"/>
+                <a:cs typeface="+mn-cs"/>
+              </a:defRPr>
+            </a:lvl2pPr>
+            <a:lvl3pPr marL="1143000" indent="-228600" algn="l" defTabSz="914400" rtl="0" eaLnBrk="1" latinLnBrk="1" hangingPunct="1">
+              <a:lnSpc>
+                <a:spcPct val="90000"/>
+              </a:lnSpc>
+              <a:spcBef>
+                <a:spcPts val="500"/>
+              </a:spcBef>
+              <a:buFont typeface="Arial" panose="020B0604020202020204" pitchFamily="34" charset="0"/>
+              <a:buChar char="•"/>
+              <a:defRPr sz="2000" kern="1200">
+                <a:solidFill>
+                  <a:schemeClr val="tx1"/>
+                </a:solidFill>
+                <a:latin typeface="+mn-lt"/>
+                <a:ea typeface="+mn-ea"/>
+                <a:cs typeface="+mn-cs"/>
+              </a:defRPr>
+            </a:lvl3pPr>
+            <a:lvl4pPr marL="1600200" indent="-228600" algn="l" defTabSz="914400" rtl="0" eaLnBrk="1" latinLnBrk="1" hangingPunct="1">
+              <a:lnSpc>
+                <a:spcPct val="90000"/>
+              </a:lnSpc>
+              <a:spcBef>
+                <a:spcPts val="500"/>
+              </a:spcBef>
+              <a:buFont typeface="Arial" panose="020B0604020202020204" pitchFamily="34" charset="0"/>
+              <a:buChar char="•"/>
+              <a:defRPr sz="1800" kern="1200">
+                <a:solidFill>
+                  <a:schemeClr val="tx1"/>
+                </a:solidFill>
+                <a:latin typeface="+mn-lt"/>
+                <a:ea typeface="+mn-ea"/>
+                <a:cs typeface="+mn-cs"/>
+              </a:defRPr>
+            </a:lvl4pPr>
+            <a:lvl5pPr marL="2057400" indent="-228600" algn="l" defTabSz="914400" rtl="0" eaLnBrk="1" latinLnBrk="1" hangingPunct="1">
+              <a:lnSpc>
+                <a:spcPct val="90000"/>
+              </a:lnSpc>
+              <a:spcBef>
+                <a:spcPts val="500"/>
+              </a:spcBef>
+              <a:buFont typeface="Arial" panose="020B0604020202020204" pitchFamily="34" charset="0"/>
+              <a:buChar char="•"/>
+              <a:defRPr sz="1800" kern="1200">
+                <a:solidFill>
+                  <a:schemeClr val="tx1"/>
+                </a:solidFill>
+                <a:latin typeface="+mn-lt"/>
+                <a:ea typeface="+mn-ea"/>
+                <a:cs typeface="+mn-cs"/>
+              </a:defRPr>
+            </a:lvl5pPr>
+            <a:lvl6pPr marL="2514600" indent="-228600" algn="l" defTabSz="914400" rtl="0" eaLnBrk="1" latinLnBrk="1" hangingPunct="1">
+              <a:lnSpc>
+                <a:spcPct val="90000"/>
+              </a:lnSpc>
+              <a:spcBef>
+                <a:spcPts val="500"/>
+              </a:spcBef>
+              <a:buFont typeface="Arial" panose="020B0604020202020204" pitchFamily="34" charset="0"/>
+              <a:buChar char="•"/>
+              <a:defRPr sz="1800" kern="1200">
+                <a:solidFill>
+                  <a:schemeClr val="tx1"/>
+                </a:solidFill>
+                <a:latin typeface="+mn-lt"/>
+                <a:ea typeface="+mn-ea"/>
+                <a:cs typeface="+mn-cs"/>
+              </a:defRPr>
+            </a:lvl6pPr>
+            <a:lvl7pPr marL="2971800" indent="-228600" algn="l" defTabSz="914400" rtl="0" eaLnBrk="1" latinLnBrk="1" hangingPunct="1">
+              <a:lnSpc>
+                <a:spcPct val="90000"/>
+              </a:lnSpc>
+              <a:spcBef>
+                <a:spcPts val="500"/>
+              </a:spcBef>
+              <a:buFont typeface="Arial" panose="020B0604020202020204" pitchFamily="34" charset="0"/>
+              <a:buChar char="•"/>
+              <a:defRPr sz="1800" kern="1200">
+                <a:solidFill>
+                  <a:schemeClr val="tx1"/>
+                </a:solidFill>
+                <a:latin typeface="+mn-lt"/>
+                <a:ea typeface="+mn-ea"/>
+                <a:cs typeface="+mn-cs"/>
+              </a:defRPr>
+            </a:lvl7pPr>
+            <a:lvl8pPr marL="3429000" indent="-228600" algn="l" defTabSz="914400" rtl="0" eaLnBrk="1" latinLnBrk="1" hangingPunct="1">
+              <a:lnSpc>
+                <a:spcPct val="90000"/>
+              </a:lnSpc>
+              <a:spcBef>
+                <a:spcPts val="500"/>
+              </a:spcBef>
+              <a:buFont typeface="Arial" panose="020B0604020202020204" pitchFamily="34" charset="0"/>
+              <a:buChar char="•"/>
+              <a:defRPr sz="1800" kern="1200">
+                <a:solidFill>
+                  <a:schemeClr val="tx1"/>
+                </a:solidFill>
+                <a:latin typeface="+mn-lt"/>
+                <a:ea typeface="+mn-ea"/>
+                <a:cs typeface="+mn-cs"/>
+              </a:defRPr>
+            </a:lvl8pPr>
+            <a:lvl9pPr marL="3886200" indent="-228600" algn="l" defTabSz="914400" rtl="0" eaLnBrk="1" latinLnBrk="1" hangingPunct="1">
+              <a:lnSpc>
+                <a:spcPct val="90000"/>
+              </a:lnSpc>
+              <a:spcBef>
+                <a:spcPts val="500"/>
+              </a:spcBef>
+              <a:buFont typeface="Arial" panose="020B0604020202020204" pitchFamily="34" charset="0"/>
+              <a:buChar char="•"/>
+              <a:defRPr sz="1800" kern="1200">
+                <a:solidFill>
+                  <a:schemeClr val="tx1"/>
+                </a:solidFill>
+                <a:latin typeface="+mn-lt"/>
+                <a:ea typeface="+mn-ea"/>
+                <a:cs typeface="+mn-cs"/>
+              </a:defRPr>
+            </a:lvl9pPr>
+          </a:lstStyle>
+          <a:p>
+            <a:pPr marL="0" indent="0">
+              <a:buFont typeface="Arial" panose="020B0604020202020204" pitchFamily="34" charset="0"/>
+              <a:buNone/>
+            </a:pPr>
+            <a:r>
+              <a:rPr lang="ko-KR" altLang="en-US" sz="1200" dirty="0"/>
+              <a:t>할인 상품의 판매량</a:t>
+            </a:r>
+            <a:r>
+              <a:rPr lang="en-US" altLang="ko-KR" sz="1200" dirty="0"/>
+              <a:t>, </a:t>
+            </a:r>
+            <a:r>
+              <a:rPr lang="ko-KR" altLang="en-US" sz="1200" dirty="0"/>
+              <a:t>금액이 </a:t>
+            </a:r>
+            <a:r>
+              <a:rPr lang="ko-KR" altLang="en-US" sz="1200" dirty="0" err="1"/>
+              <a:t>비할인</a:t>
+            </a:r>
+            <a:r>
+              <a:rPr lang="ko-KR" altLang="en-US" sz="1200" dirty="0"/>
+              <a:t> 보다 월등히 높음</a:t>
+            </a:r>
+            <a:endParaRPr lang="en-US" altLang="ko-KR" sz="1200" dirty="0"/>
+          </a:p>
+          <a:p>
+            <a:pPr marL="0" indent="0">
+              <a:buFont typeface="Arial" panose="020B0604020202020204" pitchFamily="34" charset="0"/>
+              <a:buNone/>
+            </a:pPr>
+            <a:r>
+              <a:rPr lang="ko-KR" altLang="en-US" sz="1200" dirty="0"/>
+              <a:t>할인여부는 매출 규모에 직접적 영향이 큰 변수</a:t>
+            </a:r>
+            <a:endParaRPr lang="en-US" altLang="ko-KR" sz="1200" dirty="0"/>
+          </a:p>
+          <a:p>
+            <a:pPr marL="0" indent="0">
+              <a:buFont typeface="Arial" panose="020B0604020202020204" pitchFamily="34" charset="0"/>
+              <a:buNone/>
+            </a:pPr>
+            <a:r>
+              <a:rPr lang="ko-KR" altLang="en-US" sz="1200" dirty="0"/>
+              <a:t>평균 단가</a:t>
+            </a:r>
+            <a:r>
+              <a:rPr lang="en-US" altLang="ko-KR" sz="1200" dirty="0"/>
+              <a:t>(Unit Price)</a:t>
+            </a:r>
+            <a:r>
+              <a:rPr lang="ko-KR" altLang="en-US" sz="1200" dirty="0"/>
+              <a:t>는 할인 시에도 큰 폭으로 낮아지지 않음 </a:t>
+            </a:r>
+            <a:r>
+              <a:rPr lang="en-US" altLang="ko-KR" sz="1200" dirty="0"/>
+              <a:t>-&gt; </a:t>
+            </a:r>
+            <a:r>
+              <a:rPr lang="ko-KR" altLang="en-US" sz="1200" dirty="0"/>
+              <a:t>할인을 적용해도 이익률 유지 가능성이 보임</a:t>
+            </a:r>
+          </a:p>
+        </p:txBody>
+      </p:sp>
+      <p:sp>
+        <p:nvSpPr>
+          <p:cNvPr id="12" name="내용 개체 틀 2">
+            <a:extLst>
+              <a:ext uri="{FF2B5EF4-FFF2-40B4-BE49-F238E27FC236}">
+                <a16:creationId xmlns:a16="http://schemas.microsoft.com/office/drawing/2014/main" id="{6095786C-3CA6-4B5B-A6AD-EC7360FF2C06}"/>
+              </a:ext>
+            </a:extLst>
+          </p:cNvPr>
+          <p:cNvSpPr txBox="1">
+            <a:spLocks/>
+          </p:cNvSpPr>
+          <p:nvPr/>
+        </p:nvSpPr>
+        <p:spPr>
+          <a:xfrm>
+            <a:off x="4251293" y="2661610"/>
+            <a:ext cx="3270113" cy="2105700"/>
+          </a:xfrm>
+          <a:prstGeom prst="rect">
+            <a:avLst/>
+          </a:prstGeom>
+        </p:spPr>
+        <p:txBody>
+          <a:bodyPr vert="horz" lIns="91440" tIns="45720" rIns="91440" bIns="45720" rtlCol="0">
+            <a:normAutofit/>
+          </a:bodyPr>
+          <a:lstStyle>
+            <a:lvl1pPr marL="228600" indent="-228600" algn="l" defTabSz="914400" rtl="0" eaLnBrk="1" latinLnBrk="1" hangingPunct="1">
+              <a:lnSpc>
+                <a:spcPct val="90000"/>
+              </a:lnSpc>
+              <a:spcBef>
+                <a:spcPts val="1000"/>
+              </a:spcBef>
+              <a:buFont typeface="Arial" panose="020B0604020202020204" pitchFamily="34" charset="0"/>
+              <a:buChar char="•"/>
+              <a:defRPr sz="2800" kern="1200">
+                <a:solidFill>
+                  <a:schemeClr val="tx1"/>
+                </a:solidFill>
+                <a:latin typeface="+mn-lt"/>
+                <a:ea typeface="+mn-ea"/>
+                <a:cs typeface="+mn-cs"/>
+              </a:defRPr>
+            </a:lvl1pPr>
+            <a:lvl2pPr marL="685800" indent="-228600" algn="l" defTabSz="914400" rtl="0" eaLnBrk="1" latinLnBrk="1" hangingPunct="1">
+              <a:lnSpc>
+                <a:spcPct val="90000"/>
+              </a:lnSpc>
+              <a:spcBef>
+                <a:spcPts val="500"/>
+              </a:spcBef>
+              <a:buFont typeface="Arial" panose="020B0604020202020204" pitchFamily="34" charset="0"/>
+              <a:buChar char="•"/>
+              <a:defRPr sz="2400" kern="1200">
+                <a:solidFill>
+                  <a:schemeClr val="tx1"/>
+                </a:solidFill>
+                <a:latin typeface="+mn-lt"/>
+                <a:ea typeface="+mn-ea"/>
+                <a:cs typeface="+mn-cs"/>
+              </a:defRPr>
+            </a:lvl2pPr>
+            <a:lvl3pPr marL="1143000" indent="-228600" algn="l" defTabSz="914400" rtl="0" eaLnBrk="1" latinLnBrk="1" hangingPunct="1">
+              <a:lnSpc>
+                <a:spcPct val="90000"/>
+              </a:lnSpc>
+              <a:spcBef>
+                <a:spcPts val="500"/>
+              </a:spcBef>
+              <a:buFont typeface="Arial" panose="020B0604020202020204" pitchFamily="34" charset="0"/>
+              <a:buChar char="•"/>
+              <a:defRPr sz="2000" kern="1200">
+                <a:solidFill>
+                  <a:schemeClr val="tx1"/>
+                </a:solidFill>
+                <a:latin typeface="+mn-lt"/>
+                <a:ea typeface="+mn-ea"/>
+                <a:cs typeface="+mn-cs"/>
+              </a:defRPr>
+            </a:lvl3pPr>
+            <a:lvl4pPr marL="1600200" indent="-228600" algn="l" defTabSz="914400" rtl="0" eaLnBrk="1" latinLnBrk="1" hangingPunct="1">
+              <a:lnSpc>
+                <a:spcPct val="90000"/>
+              </a:lnSpc>
+              <a:spcBef>
+                <a:spcPts val="500"/>
+              </a:spcBef>
+              <a:buFont typeface="Arial" panose="020B0604020202020204" pitchFamily="34" charset="0"/>
+              <a:buChar char="•"/>
+              <a:defRPr sz="1800" kern="1200">
+                <a:solidFill>
+                  <a:schemeClr val="tx1"/>
+                </a:solidFill>
+                <a:latin typeface="+mn-lt"/>
+                <a:ea typeface="+mn-ea"/>
+                <a:cs typeface="+mn-cs"/>
+              </a:defRPr>
+            </a:lvl4pPr>
+            <a:lvl5pPr marL="2057400" indent="-228600" algn="l" defTabSz="914400" rtl="0" eaLnBrk="1" latinLnBrk="1" hangingPunct="1">
+              <a:lnSpc>
+                <a:spcPct val="90000"/>
+              </a:lnSpc>
+              <a:spcBef>
+                <a:spcPts val="500"/>
+              </a:spcBef>
+              <a:buFont typeface="Arial" panose="020B0604020202020204" pitchFamily="34" charset="0"/>
+              <a:buChar char="•"/>
+              <a:defRPr sz="1800" kern="1200">
+                <a:solidFill>
+                  <a:schemeClr val="tx1"/>
+                </a:solidFill>
+                <a:latin typeface="+mn-lt"/>
+                <a:ea typeface="+mn-ea"/>
+                <a:cs typeface="+mn-cs"/>
+              </a:defRPr>
+            </a:lvl5pPr>
+            <a:lvl6pPr marL="2514600" indent="-228600" algn="l" defTabSz="914400" rtl="0" eaLnBrk="1" latinLnBrk="1" hangingPunct="1">
+              <a:lnSpc>
+                <a:spcPct val="90000"/>
+              </a:lnSpc>
+              <a:spcBef>
+                <a:spcPts val="500"/>
+              </a:spcBef>
+              <a:buFont typeface="Arial" panose="020B0604020202020204" pitchFamily="34" charset="0"/>
+              <a:buChar char="•"/>
+              <a:defRPr sz="1800" kern="1200">
+                <a:solidFill>
+                  <a:schemeClr val="tx1"/>
+                </a:solidFill>
+                <a:latin typeface="+mn-lt"/>
+                <a:ea typeface="+mn-ea"/>
+                <a:cs typeface="+mn-cs"/>
+              </a:defRPr>
+            </a:lvl6pPr>
+            <a:lvl7pPr marL="2971800" indent="-228600" algn="l" defTabSz="914400" rtl="0" eaLnBrk="1" latinLnBrk="1" hangingPunct="1">
+              <a:lnSpc>
+                <a:spcPct val="90000"/>
+              </a:lnSpc>
+              <a:spcBef>
+                <a:spcPts val="500"/>
+              </a:spcBef>
+              <a:buFont typeface="Arial" panose="020B0604020202020204" pitchFamily="34" charset="0"/>
+              <a:buChar char="•"/>
+              <a:defRPr sz="1800" kern="1200">
+                <a:solidFill>
+                  <a:schemeClr val="tx1"/>
+                </a:solidFill>
+                <a:latin typeface="+mn-lt"/>
+                <a:ea typeface="+mn-ea"/>
+                <a:cs typeface="+mn-cs"/>
+              </a:defRPr>
+            </a:lvl7pPr>
+            <a:lvl8pPr marL="3429000" indent="-228600" algn="l" defTabSz="914400" rtl="0" eaLnBrk="1" latinLnBrk="1" hangingPunct="1">
+              <a:lnSpc>
+                <a:spcPct val="90000"/>
+              </a:lnSpc>
+              <a:spcBef>
+                <a:spcPts val="500"/>
+              </a:spcBef>
+              <a:buFont typeface="Arial" panose="020B0604020202020204" pitchFamily="34" charset="0"/>
+              <a:buChar char="•"/>
+              <a:defRPr sz="1800" kern="1200">
+                <a:solidFill>
+                  <a:schemeClr val="tx1"/>
+                </a:solidFill>
+                <a:latin typeface="+mn-lt"/>
+                <a:ea typeface="+mn-ea"/>
+                <a:cs typeface="+mn-cs"/>
+              </a:defRPr>
+            </a:lvl8pPr>
+            <a:lvl9pPr marL="3886200" indent="-228600" algn="l" defTabSz="914400" rtl="0" eaLnBrk="1" latinLnBrk="1" hangingPunct="1">
+              <a:lnSpc>
+                <a:spcPct val="90000"/>
+              </a:lnSpc>
+              <a:spcBef>
+                <a:spcPts val="500"/>
+              </a:spcBef>
+              <a:buFont typeface="Arial" panose="020B0604020202020204" pitchFamily="34" charset="0"/>
+              <a:buChar char="•"/>
+              <a:defRPr sz="1800" kern="1200">
+                <a:solidFill>
+                  <a:schemeClr val="tx1"/>
+                </a:solidFill>
+                <a:latin typeface="+mn-lt"/>
+                <a:ea typeface="+mn-ea"/>
+                <a:cs typeface="+mn-cs"/>
+              </a:defRPr>
+            </a:lvl9pPr>
+          </a:lstStyle>
+          <a:p>
+            <a:pPr marL="0" indent="0">
+              <a:buFont typeface="Arial" panose="020B0604020202020204" pitchFamily="34" charset="0"/>
+              <a:buNone/>
+            </a:pPr>
+            <a:r>
+              <a:rPr lang="ko-KR" altLang="en-US" sz="1200" dirty="0"/>
+              <a:t>봄</a:t>
+            </a:r>
+            <a:r>
+              <a:rPr lang="en-US" altLang="ko-KR" sz="1200" dirty="0"/>
+              <a:t>, </a:t>
+            </a:r>
+            <a:r>
+              <a:rPr lang="ko-KR" altLang="en-US" sz="1200" dirty="0"/>
+              <a:t>겨울 시즌에 판매량 및 금액이 압도적으로 높음</a:t>
+            </a:r>
+            <a:endParaRPr lang="en-US" altLang="ko-KR" sz="1200" dirty="0"/>
+          </a:p>
+          <a:p>
+            <a:pPr marL="0" indent="0">
+              <a:buFont typeface="Arial" panose="020B0604020202020204" pitchFamily="34" charset="0"/>
+              <a:buNone/>
+            </a:pPr>
+            <a:r>
+              <a:rPr lang="ko-KR" altLang="en-US" sz="1200" dirty="0"/>
+              <a:t>여름은 상대적으로 판매 규모 하락 </a:t>
+            </a:r>
+            <a:r>
+              <a:rPr lang="en-US" altLang="ko-KR" sz="1200" dirty="0"/>
+              <a:t>-&gt; </a:t>
+            </a:r>
+            <a:r>
+              <a:rPr lang="ko-KR" altLang="en-US" sz="1200" dirty="0"/>
+              <a:t>계절적 수요 </a:t>
+            </a:r>
+            <a:r>
+              <a:rPr lang="ko-KR" altLang="en-US" sz="1200" dirty="0" err="1"/>
+              <a:t>뚜렷</a:t>
+            </a:r>
+            <a:endParaRPr lang="en-US" altLang="ko-KR" sz="1200" dirty="0"/>
+          </a:p>
+          <a:p>
+            <a:pPr marL="0" indent="0">
+              <a:buFont typeface="Arial" panose="020B0604020202020204" pitchFamily="34" charset="0"/>
+              <a:buNone/>
+            </a:pPr>
+            <a:r>
+              <a:rPr lang="ko-KR" altLang="en-US" sz="1200" dirty="0"/>
+              <a:t>단가는 계절 별 차이가 없음</a:t>
+            </a:r>
+            <a:r>
+              <a:rPr lang="en-US" altLang="ko-KR" sz="1200" dirty="0"/>
+              <a:t>(</a:t>
+            </a:r>
+            <a:r>
+              <a:rPr lang="ko-KR" altLang="en-US" sz="1200" dirty="0"/>
+              <a:t>수요에 따른 판매량 변동</a:t>
+            </a:r>
+            <a:r>
+              <a:rPr lang="en-US" altLang="ko-KR" sz="1200" dirty="0"/>
+              <a:t>)</a:t>
+            </a:r>
+            <a:endParaRPr lang="ko-KR" altLang="en-US" sz="1200" dirty="0"/>
+          </a:p>
+        </p:txBody>
+      </p:sp>
+      <p:sp>
+        <p:nvSpPr>
+          <p:cNvPr id="13" name="내용 개체 틀 2">
+            <a:extLst>
+              <a:ext uri="{FF2B5EF4-FFF2-40B4-BE49-F238E27FC236}">
+                <a16:creationId xmlns:a16="http://schemas.microsoft.com/office/drawing/2014/main" id="{4AF5FCDC-FEB7-48A6-A79E-0577F8FB5737}"/>
+              </a:ext>
+            </a:extLst>
+          </p:cNvPr>
+          <p:cNvSpPr txBox="1">
+            <a:spLocks/>
+          </p:cNvSpPr>
+          <p:nvPr/>
+        </p:nvSpPr>
+        <p:spPr>
+          <a:xfrm>
+            <a:off x="8283776" y="2661609"/>
+            <a:ext cx="3270113" cy="2105700"/>
+          </a:xfrm>
+          <a:prstGeom prst="rect">
+            <a:avLst/>
+          </a:prstGeom>
+        </p:spPr>
+        <p:txBody>
+          <a:bodyPr vert="horz" lIns="91440" tIns="45720" rIns="91440" bIns="45720" rtlCol="0">
+            <a:normAutofit/>
+          </a:bodyPr>
+          <a:lstStyle>
+            <a:lvl1pPr marL="228600" indent="-228600" algn="l" defTabSz="914400" rtl="0" eaLnBrk="1" latinLnBrk="1" hangingPunct="1">
+              <a:lnSpc>
+                <a:spcPct val="90000"/>
+              </a:lnSpc>
+              <a:spcBef>
+                <a:spcPts val="1000"/>
+              </a:spcBef>
+              <a:buFont typeface="Arial" panose="020B0604020202020204" pitchFamily="34" charset="0"/>
+              <a:buChar char="•"/>
+              <a:defRPr sz="2800" kern="1200">
+                <a:solidFill>
+                  <a:schemeClr val="tx1"/>
+                </a:solidFill>
+                <a:latin typeface="+mn-lt"/>
+                <a:ea typeface="+mn-ea"/>
+                <a:cs typeface="+mn-cs"/>
+              </a:defRPr>
+            </a:lvl1pPr>
+            <a:lvl2pPr marL="685800" indent="-228600" algn="l" defTabSz="914400" rtl="0" eaLnBrk="1" latinLnBrk="1" hangingPunct="1">
+              <a:lnSpc>
+                <a:spcPct val="90000"/>
+              </a:lnSpc>
+              <a:spcBef>
+                <a:spcPts val="500"/>
+              </a:spcBef>
+              <a:buFont typeface="Arial" panose="020B0604020202020204" pitchFamily="34" charset="0"/>
+              <a:buChar char="•"/>
+              <a:defRPr sz="2400" kern="1200">
+                <a:solidFill>
+                  <a:schemeClr val="tx1"/>
+                </a:solidFill>
+                <a:latin typeface="+mn-lt"/>
+                <a:ea typeface="+mn-ea"/>
+                <a:cs typeface="+mn-cs"/>
+              </a:defRPr>
+            </a:lvl2pPr>
+            <a:lvl3pPr marL="1143000" indent="-228600" algn="l" defTabSz="914400" rtl="0" eaLnBrk="1" latinLnBrk="1" hangingPunct="1">
+              <a:lnSpc>
+                <a:spcPct val="90000"/>
+              </a:lnSpc>
+              <a:spcBef>
+                <a:spcPts val="500"/>
+              </a:spcBef>
+              <a:buFont typeface="Arial" panose="020B0604020202020204" pitchFamily="34" charset="0"/>
+              <a:buChar char="•"/>
+              <a:defRPr sz="2000" kern="1200">
+                <a:solidFill>
+                  <a:schemeClr val="tx1"/>
+                </a:solidFill>
+                <a:latin typeface="+mn-lt"/>
+                <a:ea typeface="+mn-ea"/>
+                <a:cs typeface="+mn-cs"/>
+              </a:defRPr>
+            </a:lvl3pPr>
+            <a:lvl4pPr marL="1600200" indent="-228600" algn="l" defTabSz="914400" rtl="0" eaLnBrk="1" latinLnBrk="1" hangingPunct="1">
+              <a:lnSpc>
+                <a:spcPct val="90000"/>
+              </a:lnSpc>
+              <a:spcBef>
+                <a:spcPts val="500"/>
+              </a:spcBef>
+              <a:buFont typeface="Arial" panose="020B0604020202020204" pitchFamily="34" charset="0"/>
+              <a:buChar char="•"/>
+              <a:defRPr sz="1800" kern="1200">
+                <a:solidFill>
+                  <a:schemeClr val="tx1"/>
+                </a:solidFill>
+                <a:latin typeface="+mn-lt"/>
+                <a:ea typeface="+mn-ea"/>
+                <a:cs typeface="+mn-cs"/>
+              </a:defRPr>
+            </a:lvl4pPr>
+            <a:lvl5pPr marL="2057400" indent="-228600" algn="l" defTabSz="914400" rtl="0" eaLnBrk="1" latinLnBrk="1" hangingPunct="1">
+              <a:lnSpc>
+                <a:spcPct val="90000"/>
+              </a:lnSpc>
+              <a:spcBef>
+                <a:spcPts val="500"/>
+              </a:spcBef>
+              <a:buFont typeface="Arial" panose="020B0604020202020204" pitchFamily="34" charset="0"/>
+              <a:buChar char="•"/>
+              <a:defRPr sz="1800" kern="1200">
+                <a:solidFill>
+                  <a:schemeClr val="tx1"/>
+                </a:solidFill>
+                <a:latin typeface="+mn-lt"/>
+                <a:ea typeface="+mn-ea"/>
+                <a:cs typeface="+mn-cs"/>
+              </a:defRPr>
+            </a:lvl5pPr>
+            <a:lvl6pPr marL="2514600" indent="-228600" algn="l" defTabSz="914400" rtl="0" eaLnBrk="1" latinLnBrk="1" hangingPunct="1">
+              <a:lnSpc>
+                <a:spcPct val="90000"/>
+              </a:lnSpc>
+              <a:spcBef>
+                <a:spcPts val="500"/>
+              </a:spcBef>
+              <a:buFont typeface="Arial" panose="020B0604020202020204" pitchFamily="34" charset="0"/>
+              <a:buChar char="•"/>
+              <a:defRPr sz="1800" kern="1200">
+                <a:solidFill>
+                  <a:schemeClr val="tx1"/>
+                </a:solidFill>
+                <a:latin typeface="+mn-lt"/>
+                <a:ea typeface="+mn-ea"/>
+                <a:cs typeface="+mn-cs"/>
+              </a:defRPr>
+            </a:lvl6pPr>
+            <a:lvl7pPr marL="2971800" indent="-228600" algn="l" defTabSz="914400" rtl="0" eaLnBrk="1" latinLnBrk="1" hangingPunct="1">
+              <a:lnSpc>
+                <a:spcPct val="90000"/>
+              </a:lnSpc>
+              <a:spcBef>
+                <a:spcPts val="500"/>
+              </a:spcBef>
+              <a:buFont typeface="Arial" panose="020B0604020202020204" pitchFamily="34" charset="0"/>
+              <a:buChar char="•"/>
+              <a:defRPr sz="1800" kern="1200">
+                <a:solidFill>
+                  <a:schemeClr val="tx1"/>
+                </a:solidFill>
+                <a:latin typeface="+mn-lt"/>
+                <a:ea typeface="+mn-ea"/>
+                <a:cs typeface="+mn-cs"/>
+              </a:defRPr>
+            </a:lvl7pPr>
+            <a:lvl8pPr marL="3429000" indent="-228600" algn="l" defTabSz="914400" rtl="0" eaLnBrk="1" latinLnBrk="1" hangingPunct="1">
+              <a:lnSpc>
+                <a:spcPct val="90000"/>
+              </a:lnSpc>
+              <a:spcBef>
+                <a:spcPts val="500"/>
+              </a:spcBef>
+              <a:buFont typeface="Arial" panose="020B0604020202020204" pitchFamily="34" charset="0"/>
+              <a:buChar char="•"/>
+              <a:defRPr sz="1800" kern="1200">
+                <a:solidFill>
+                  <a:schemeClr val="tx1"/>
+                </a:solidFill>
+                <a:latin typeface="+mn-lt"/>
+                <a:ea typeface="+mn-ea"/>
+                <a:cs typeface="+mn-cs"/>
+              </a:defRPr>
+            </a:lvl8pPr>
+            <a:lvl9pPr marL="3886200" indent="-228600" algn="l" defTabSz="914400" rtl="0" eaLnBrk="1" latinLnBrk="1" hangingPunct="1">
+              <a:lnSpc>
+                <a:spcPct val="90000"/>
+              </a:lnSpc>
+              <a:spcBef>
+                <a:spcPts val="500"/>
+              </a:spcBef>
+              <a:buFont typeface="Arial" panose="020B0604020202020204" pitchFamily="34" charset="0"/>
+              <a:buChar char="•"/>
+              <a:defRPr sz="1800" kern="1200">
+                <a:solidFill>
+                  <a:schemeClr val="tx1"/>
+                </a:solidFill>
+                <a:latin typeface="+mn-lt"/>
+                <a:ea typeface="+mn-ea"/>
+                <a:cs typeface="+mn-cs"/>
+              </a:defRPr>
+            </a:lvl9pPr>
+          </a:lstStyle>
+          <a:p>
+            <a:pPr marL="0" indent="0">
+              <a:buFont typeface="Arial" panose="020B0604020202020204" pitchFamily="34" charset="0"/>
+              <a:buNone/>
+            </a:pPr>
+            <a:r>
+              <a:rPr lang="ko-KR" altLang="en-US" sz="1200" dirty="0"/>
+              <a:t>특정 </a:t>
+            </a:r>
+            <a:r>
+              <a:rPr lang="ko-KR" altLang="en-US" sz="1200" dirty="0" err="1"/>
+              <a:t>유통사</a:t>
+            </a:r>
+            <a:r>
+              <a:rPr lang="en-US" altLang="ko-KR" sz="1200" dirty="0"/>
+              <a:t>(</a:t>
+            </a:r>
+            <a:r>
+              <a:rPr lang="ko-KR" altLang="en-US" sz="1200" dirty="0"/>
+              <a:t>예</a:t>
+            </a:r>
+            <a:r>
+              <a:rPr lang="en-US" altLang="ko-KR" sz="1200" dirty="0"/>
+              <a:t>: </a:t>
+            </a:r>
+            <a:r>
+              <a:rPr lang="ko-KR" altLang="en-US" sz="1200" dirty="0"/>
+              <a:t>대형마트</a:t>
+            </a:r>
+            <a:r>
+              <a:rPr lang="en-US" altLang="ko-KR" sz="1200" dirty="0"/>
+              <a:t>, </a:t>
+            </a:r>
+            <a:r>
+              <a:rPr lang="ko-KR" altLang="en-US" sz="1200" dirty="0"/>
+              <a:t>온라인 몰 등</a:t>
+            </a:r>
+            <a:r>
+              <a:rPr lang="en-US" altLang="ko-KR" sz="1200" dirty="0"/>
+              <a:t>)</a:t>
+            </a:r>
+            <a:r>
+              <a:rPr lang="ko-KR" altLang="en-US" sz="1200" dirty="0"/>
+              <a:t>에서 판매 규모가 월등히 높음</a:t>
+            </a:r>
+            <a:endParaRPr lang="en-US" altLang="ko-KR" sz="1200" dirty="0"/>
+          </a:p>
+          <a:p>
+            <a:pPr marL="0" indent="0">
+              <a:buFont typeface="Arial" panose="020B0604020202020204" pitchFamily="34" charset="0"/>
+              <a:buNone/>
+            </a:pPr>
+            <a:r>
+              <a:rPr lang="ko-KR" altLang="en-US" sz="1200" dirty="0"/>
+              <a:t>단가는 일부 유통사에서 낮게 책정되나 총 매출은 높음 </a:t>
+            </a:r>
+            <a:r>
+              <a:rPr lang="en-US" altLang="ko-KR" sz="1200" dirty="0"/>
+              <a:t>-&gt; </a:t>
+            </a:r>
+            <a:r>
+              <a:rPr lang="ko-KR" altLang="en-US" sz="1200" dirty="0"/>
+              <a:t>볼륨 중심 거래 전략 가능</a:t>
+            </a:r>
+          </a:p>
+        </p:txBody>
+      </p:sp>
+      <p:sp>
+        <p:nvSpPr>
+          <p:cNvPr id="14" name="사각형: 둥근 모서리 13">
+            <a:extLst>
+              <a:ext uri="{FF2B5EF4-FFF2-40B4-BE49-F238E27FC236}">
+                <a16:creationId xmlns:a16="http://schemas.microsoft.com/office/drawing/2014/main" id="{C95C53BA-9F91-4B3D-B82A-9F7BC3F73998}"/>
+              </a:ext>
+            </a:extLst>
+          </p:cNvPr>
+          <p:cNvSpPr/>
+          <p:nvPr/>
+        </p:nvSpPr>
+        <p:spPr>
+          <a:xfrm>
+            <a:off x="243396" y="4909269"/>
+            <a:ext cx="11505461" cy="1722065"/>
+          </a:xfrm>
+          <a:prstGeom prst="roundRect">
+            <a:avLst/>
+          </a:prstGeom>
+          <a:noFill/>
+        </p:spPr>
+        <p:style>
+          <a:lnRef idx="2">
+            <a:schemeClr val="accent1">
+              <a:shade val="50000"/>
+            </a:schemeClr>
+          </a:lnRef>
+          <a:fillRef idx="1">
+            <a:schemeClr val="accent1"/>
+          </a:fillRef>
+          <a:effectRef idx="0">
+            <a:schemeClr val="accent1"/>
+          </a:effectRef>
+          <a:fontRef idx="minor">
+            <a:schemeClr val="lt1"/>
+          </a:fontRef>
+        </p:style>
+        <p:txBody>
+          <a:bodyPr rtlCol="0" anchor="ctr"/>
+          <a:lstStyle/>
+          <a:p>
+            <a:pPr algn="ctr"/>
+            <a:endParaRPr lang="ko-KR" altLang="en-US"/>
+          </a:p>
+        </p:txBody>
+      </p:sp>
+      <p:sp>
+        <p:nvSpPr>
+          <p:cNvPr id="15" name="내용 개체 틀 2">
+            <a:extLst>
+              <a:ext uri="{FF2B5EF4-FFF2-40B4-BE49-F238E27FC236}">
+                <a16:creationId xmlns:a16="http://schemas.microsoft.com/office/drawing/2014/main" id="{1C3BEEC9-443F-4BFB-BDF4-4742691C42C4}"/>
+              </a:ext>
+            </a:extLst>
+          </p:cNvPr>
+          <p:cNvSpPr txBox="1">
+            <a:spLocks/>
+          </p:cNvSpPr>
+          <p:nvPr/>
+        </p:nvSpPr>
+        <p:spPr>
+          <a:xfrm>
+            <a:off x="461289" y="4984802"/>
+            <a:ext cx="10926543" cy="1668094"/>
+          </a:xfrm>
+          <a:prstGeom prst="rect">
+            <a:avLst/>
+          </a:prstGeom>
+        </p:spPr>
+        <p:txBody>
+          <a:bodyPr vert="horz" lIns="91440" tIns="45720" rIns="91440" bIns="45720" rtlCol="0">
+            <a:normAutofit/>
+          </a:bodyPr>
+          <a:lstStyle>
+            <a:lvl1pPr marL="228600" indent="-228600" algn="l" defTabSz="914400" rtl="0" eaLnBrk="1" latinLnBrk="1" hangingPunct="1">
+              <a:lnSpc>
+                <a:spcPct val="90000"/>
+              </a:lnSpc>
+              <a:spcBef>
+                <a:spcPts val="1000"/>
+              </a:spcBef>
+              <a:buFont typeface="Arial" panose="020B0604020202020204" pitchFamily="34" charset="0"/>
+              <a:buChar char="•"/>
+              <a:defRPr sz="2800" kern="1200">
+                <a:solidFill>
+                  <a:schemeClr val="tx1"/>
+                </a:solidFill>
+                <a:latin typeface="+mn-lt"/>
+                <a:ea typeface="+mn-ea"/>
+                <a:cs typeface="+mn-cs"/>
+              </a:defRPr>
+            </a:lvl1pPr>
+            <a:lvl2pPr marL="685800" indent="-228600" algn="l" defTabSz="914400" rtl="0" eaLnBrk="1" latinLnBrk="1" hangingPunct="1">
+              <a:lnSpc>
+                <a:spcPct val="90000"/>
+              </a:lnSpc>
+              <a:spcBef>
+                <a:spcPts val="500"/>
+              </a:spcBef>
+              <a:buFont typeface="Arial" panose="020B0604020202020204" pitchFamily="34" charset="0"/>
+              <a:buChar char="•"/>
+              <a:defRPr sz="2400" kern="1200">
+                <a:solidFill>
+                  <a:schemeClr val="tx1"/>
+                </a:solidFill>
+                <a:latin typeface="+mn-lt"/>
+                <a:ea typeface="+mn-ea"/>
+                <a:cs typeface="+mn-cs"/>
+              </a:defRPr>
+            </a:lvl2pPr>
+            <a:lvl3pPr marL="1143000" indent="-228600" algn="l" defTabSz="914400" rtl="0" eaLnBrk="1" latinLnBrk="1" hangingPunct="1">
+              <a:lnSpc>
+                <a:spcPct val="90000"/>
+              </a:lnSpc>
+              <a:spcBef>
+                <a:spcPts val="500"/>
+              </a:spcBef>
+              <a:buFont typeface="Arial" panose="020B0604020202020204" pitchFamily="34" charset="0"/>
+              <a:buChar char="•"/>
+              <a:defRPr sz="2000" kern="1200">
+                <a:solidFill>
+                  <a:schemeClr val="tx1"/>
+                </a:solidFill>
+                <a:latin typeface="+mn-lt"/>
+                <a:ea typeface="+mn-ea"/>
+                <a:cs typeface="+mn-cs"/>
+              </a:defRPr>
+            </a:lvl3pPr>
+            <a:lvl4pPr marL="1600200" indent="-228600" algn="l" defTabSz="914400" rtl="0" eaLnBrk="1" latinLnBrk="1" hangingPunct="1">
+              <a:lnSpc>
+                <a:spcPct val="90000"/>
+              </a:lnSpc>
+              <a:spcBef>
+                <a:spcPts val="500"/>
+              </a:spcBef>
+              <a:buFont typeface="Arial" panose="020B0604020202020204" pitchFamily="34" charset="0"/>
+              <a:buChar char="•"/>
+              <a:defRPr sz="1800" kern="1200">
+                <a:solidFill>
+                  <a:schemeClr val="tx1"/>
+                </a:solidFill>
+                <a:latin typeface="+mn-lt"/>
+                <a:ea typeface="+mn-ea"/>
+                <a:cs typeface="+mn-cs"/>
+              </a:defRPr>
+            </a:lvl4pPr>
+            <a:lvl5pPr marL="2057400" indent="-228600" algn="l" defTabSz="914400" rtl="0" eaLnBrk="1" latinLnBrk="1" hangingPunct="1">
+              <a:lnSpc>
+                <a:spcPct val="90000"/>
+              </a:lnSpc>
+              <a:spcBef>
+                <a:spcPts val="500"/>
+              </a:spcBef>
+              <a:buFont typeface="Arial" panose="020B0604020202020204" pitchFamily="34" charset="0"/>
+              <a:buChar char="•"/>
+              <a:defRPr sz="1800" kern="1200">
+                <a:solidFill>
+                  <a:schemeClr val="tx1"/>
+                </a:solidFill>
+                <a:latin typeface="+mn-lt"/>
+                <a:ea typeface="+mn-ea"/>
+                <a:cs typeface="+mn-cs"/>
+              </a:defRPr>
+            </a:lvl5pPr>
+            <a:lvl6pPr marL="2514600" indent="-228600" algn="l" defTabSz="914400" rtl="0" eaLnBrk="1" latinLnBrk="1" hangingPunct="1">
+              <a:lnSpc>
+                <a:spcPct val="90000"/>
+              </a:lnSpc>
+              <a:spcBef>
+                <a:spcPts val="500"/>
+              </a:spcBef>
+              <a:buFont typeface="Arial" panose="020B0604020202020204" pitchFamily="34" charset="0"/>
+              <a:buChar char="•"/>
+              <a:defRPr sz="1800" kern="1200">
+                <a:solidFill>
+                  <a:schemeClr val="tx1"/>
+                </a:solidFill>
+                <a:latin typeface="+mn-lt"/>
+                <a:ea typeface="+mn-ea"/>
+                <a:cs typeface="+mn-cs"/>
+              </a:defRPr>
+            </a:lvl6pPr>
+            <a:lvl7pPr marL="2971800" indent="-228600" algn="l" defTabSz="914400" rtl="0" eaLnBrk="1" latinLnBrk="1" hangingPunct="1">
+              <a:lnSpc>
+                <a:spcPct val="90000"/>
+              </a:lnSpc>
+              <a:spcBef>
+                <a:spcPts val="500"/>
+              </a:spcBef>
+              <a:buFont typeface="Arial" panose="020B0604020202020204" pitchFamily="34" charset="0"/>
+              <a:buChar char="•"/>
+              <a:defRPr sz="1800" kern="1200">
+                <a:solidFill>
+                  <a:schemeClr val="tx1"/>
+                </a:solidFill>
+                <a:latin typeface="+mn-lt"/>
+                <a:ea typeface="+mn-ea"/>
+                <a:cs typeface="+mn-cs"/>
+              </a:defRPr>
+            </a:lvl7pPr>
+            <a:lvl8pPr marL="3429000" indent="-228600" algn="l" defTabSz="914400" rtl="0" eaLnBrk="1" latinLnBrk="1" hangingPunct="1">
+              <a:lnSpc>
+                <a:spcPct val="90000"/>
+              </a:lnSpc>
+              <a:spcBef>
+                <a:spcPts val="500"/>
+              </a:spcBef>
+              <a:buFont typeface="Arial" panose="020B0604020202020204" pitchFamily="34" charset="0"/>
+              <a:buChar char="•"/>
+              <a:defRPr sz="1800" kern="1200">
+                <a:solidFill>
+                  <a:schemeClr val="tx1"/>
+                </a:solidFill>
+                <a:latin typeface="+mn-lt"/>
+                <a:ea typeface="+mn-ea"/>
+                <a:cs typeface="+mn-cs"/>
+              </a:defRPr>
+            </a:lvl8pPr>
+            <a:lvl9pPr marL="3886200" indent="-228600" algn="l" defTabSz="914400" rtl="0" eaLnBrk="1" latinLnBrk="1" hangingPunct="1">
+              <a:lnSpc>
+                <a:spcPct val="90000"/>
+              </a:lnSpc>
+              <a:spcBef>
+                <a:spcPts val="500"/>
+              </a:spcBef>
+              <a:buFont typeface="Arial" panose="020B0604020202020204" pitchFamily="34" charset="0"/>
+              <a:buChar char="•"/>
+              <a:defRPr sz="1800" kern="1200">
+                <a:solidFill>
+                  <a:schemeClr val="tx1"/>
+                </a:solidFill>
+                <a:latin typeface="+mn-lt"/>
+                <a:ea typeface="+mn-ea"/>
+                <a:cs typeface="+mn-cs"/>
+              </a:defRPr>
+            </a:lvl9pPr>
+          </a:lstStyle>
+          <a:p>
+            <a:pPr marL="0" indent="0">
+              <a:buNone/>
+            </a:pPr>
+            <a:r>
+              <a:rPr lang="ko-KR" altLang="en-US" sz="1600" dirty="0"/>
+              <a:t>마스크 판매량은 할인 여부</a:t>
+            </a:r>
+            <a:r>
+              <a:rPr lang="en-US" altLang="ko-KR" sz="1600" dirty="0"/>
+              <a:t>, </a:t>
+            </a:r>
+            <a:r>
+              <a:rPr lang="ko-KR" altLang="en-US" sz="1600" dirty="0"/>
+              <a:t>계절</a:t>
+            </a:r>
+            <a:r>
+              <a:rPr lang="en-US" altLang="ko-KR" sz="1600" dirty="0"/>
+              <a:t>, </a:t>
+            </a:r>
+            <a:r>
+              <a:rPr lang="ko-KR" altLang="en-US" sz="1600" dirty="0"/>
+              <a:t>유통사에 따라 뚜렷한 차이를 보임</a:t>
+            </a:r>
+            <a:endParaRPr lang="en-US" altLang="ko-KR" sz="1600" dirty="0"/>
+          </a:p>
+          <a:p>
+            <a:pPr marL="0" indent="0">
+              <a:buNone/>
+            </a:pPr>
+            <a:r>
+              <a:rPr lang="ko-KR" altLang="en-US" sz="1600" dirty="0"/>
+              <a:t>봄</a:t>
+            </a:r>
+            <a:r>
+              <a:rPr lang="en-US" altLang="ko-KR" sz="1600" dirty="0"/>
+              <a:t>/</a:t>
+            </a:r>
+            <a:r>
+              <a:rPr lang="ko-KR" altLang="en-US" sz="1600" dirty="0"/>
+              <a:t>겨울 및 주요 유통사에 집중 투자 시 효율적 운영 가능</a:t>
+            </a:r>
+            <a:endParaRPr lang="en-US" altLang="ko-KR" sz="1600" dirty="0"/>
+          </a:p>
+          <a:p>
+            <a:pPr marL="0" indent="0">
+              <a:buNone/>
+            </a:pPr>
+            <a:r>
+              <a:rPr lang="ko-KR" altLang="en-US" sz="1600" dirty="0"/>
+              <a:t>할인 전략은 수익을 유지하면서도 수요 증대에 기여함</a:t>
+            </a:r>
+            <a:endParaRPr lang="en-US" altLang="ko-KR" sz="1600" dirty="0"/>
+          </a:p>
+          <a:p>
+            <a:pPr marL="0" indent="0">
+              <a:buNone/>
+            </a:pPr>
+            <a:r>
+              <a:rPr lang="ko-KR" altLang="en-US" sz="1600" dirty="0"/>
+              <a:t>이러한 분석은 마스크 수급 계획</a:t>
+            </a:r>
+            <a:r>
+              <a:rPr lang="en-US" altLang="ko-KR" sz="1600" dirty="0"/>
+              <a:t>, </a:t>
+            </a:r>
+            <a:r>
+              <a:rPr lang="ko-KR" altLang="en-US" sz="1600" dirty="0"/>
+              <a:t>가격 정책</a:t>
+            </a:r>
+            <a:r>
+              <a:rPr lang="en-US" altLang="ko-KR" sz="1600" dirty="0"/>
+              <a:t>, </a:t>
+            </a:r>
+            <a:r>
+              <a:rPr lang="ko-KR" altLang="en-US" sz="1600" dirty="0"/>
+              <a:t>유통 채널 전략 설계에 직접 활용 가능</a:t>
+            </a:r>
+          </a:p>
+        </p:txBody>
+      </p:sp>
+    </p:spTree>
+    <p:extLst>
+      <p:ext uri="{BB962C8B-B14F-4D97-AF65-F5344CB8AC3E}">
+        <p14:creationId xmlns:p14="http://schemas.microsoft.com/office/powerpoint/2010/main" val="632682614"/>
+      </p:ext>
+    </p:extLst>
+  </p:cSld>
+  <p:clrMapOvr>
+    <a:masterClrMapping/>
+  </p:clrMapOvr>
+</p:sld>
+</file>
+
+<file path=ppt/slides/slide9.xml><?xml version="1.0" encoding="utf-8"?>
+<p:sld xmlns:a="http://schemas.openxmlformats.org/drawingml/2006/main" xmlns:r="http://schemas.openxmlformats.org/officeDocument/2006/relationships" xmlns:p="http://schemas.openxmlformats.org/presentationml/2006/main">
+  <p:cSld>
+    <p:spTree>
+      <p:nvGrpSpPr>
+        <p:cNvPr id="1" name=""/>
+        <p:cNvGrpSpPr/>
+        <p:nvPr/>
+      </p:nvGrpSpPr>
+      <p:grpSpPr>
+        <a:xfrm>
+          <a:off x="0" y="0"/>
+          <a:ext cx="0" cy="0"/>
+          <a:chOff x="0" y="0"/>
+          <a:chExt cx="0" cy="0"/>
+        </a:xfrm>
+      </p:grpSpPr>
+      <p:sp>
+        <p:nvSpPr>
+          <p:cNvPr id="4" name="제목 1">
+            <a:extLst>
+              <a:ext uri="{FF2B5EF4-FFF2-40B4-BE49-F238E27FC236}">
+                <a16:creationId xmlns:a16="http://schemas.microsoft.com/office/drawing/2014/main" id="{02408A33-FC49-486F-B7F6-4AB9131AA3DA}"/>
+              </a:ext>
+            </a:extLst>
+          </p:cNvPr>
+          <p:cNvSpPr txBox="1">
+            <a:spLocks/>
+          </p:cNvSpPr>
+          <p:nvPr/>
+        </p:nvSpPr>
+        <p:spPr>
+          <a:xfrm>
+            <a:off x="243396" y="125428"/>
+            <a:ext cx="10515600" cy="629174"/>
+          </a:xfrm>
+          <a:prstGeom prst="rect">
+            <a:avLst/>
+          </a:prstGeom>
+        </p:spPr>
+        <p:txBody>
+          <a:bodyPr vert="horz" lIns="91440" tIns="45720" rIns="91440" bIns="45720" rtlCol="0" anchor="ctr">
+            <a:normAutofit/>
+          </a:bodyPr>
+          <a:lstStyle>
+            <a:lvl1pPr algn="l" defTabSz="914400" rtl="0" eaLnBrk="1" latinLnBrk="1" hangingPunct="1">
+              <a:lnSpc>
+                <a:spcPct val="90000"/>
+              </a:lnSpc>
+              <a:spcBef>
+                <a:spcPct val="0"/>
+              </a:spcBef>
+              <a:buNone/>
+              <a:defRPr sz="4400" kern="1200">
+                <a:solidFill>
+                  <a:schemeClr val="tx1"/>
+                </a:solidFill>
+                <a:latin typeface="+mj-lt"/>
+                <a:ea typeface="+mj-ea"/>
+                <a:cs typeface="+mj-cs"/>
+              </a:defRPr>
+            </a:lvl1pPr>
+          </a:lstStyle>
+          <a:p>
+            <a:r>
+              <a:rPr lang="ko-KR" altLang="en-US" sz="3200" dirty="0"/>
+              <a:t>데이터 분석 </a:t>
+            </a:r>
+            <a:r>
+              <a:rPr lang="en-US" altLang="ko-KR" sz="3200" dirty="0"/>
+              <a:t>– </a:t>
+            </a:r>
+            <a:r>
+              <a:rPr lang="ko-KR" altLang="en-US" sz="3200" dirty="0"/>
+              <a:t>미세먼지</a:t>
+            </a:r>
+            <a:r>
+              <a:rPr lang="en-US" altLang="ko-KR" sz="3200" dirty="0"/>
+              <a:t>, </a:t>
+            </a:r>
+            <a:r>
+              <a:rPr lang="ko-KR" altLang="en-US" sz="3200" dirty="0"/>
+              <a:t>날씨와 마스크 판매량의 관계</a:t>
+            </a:r>
+            <a:endParaRPr lang="en-US" altLang="ko-KR" sz="3200" dirty="0"/>
+          </a:p>
+        </p:txBody>
+      </p:sp>
+      <p:pic>
+        <p:nvPicPr>
+          <p:cNvPr id="6" name="그림 5">
+            <a:extLst>
+              <a:ext uri="{FF2B5EF4-FFF2-40B4-BE49-F238E27FC236}">
+                <a16:creationId xmlns:a16="http://schemas.microsoft.com/office/drawing/2014/main" id="{66BD63C5-6FF4-4BCB-9B09-834FC19699E0}"/>
+              </a:ext>
+            </a:extLst>
+          </p:cNvPr>
+          <p:cNvPicPr>
+            <a:picLocks noChangeAspect="1"/>
+          </p:cNvPicPr>
+          <p:nvPr/>
+        </p:nvPicPr>
+        <p:blipFill>
+          <a:blip r:embed="rId2">
+            <a:extLst>
+              <a:ext uri="{28A0092B-C50C-407E-A947-70E740481C1C}">
+                <a14:useLocalDpi xmlns:a14="http://schemas.microsoft.com/office/drawing/2010/main" val="0"/>
+              </a:ext>
+            </a:extLst>
+          </a:blip>
+          <a:stretch>
+            <a:fillRect/>
+          </a:stretch>
+        </p:blipFill>
+        <p:spPr>
+          <a:xfrm>
+            <a:off x="327034" y="932155"/>
+            <a:ext cx="5911985" cy="4829452"/>
+          </a:xfrm>
+          <a:prstGeom prst="rect">
+            <a:avLst/>
+          </a:prstGeom>
+        </p:spPr>
+      </p:pic>
+      <p:sp>
+        <p:nvSpPr>
+          <p:cNvPr id="7" name="내용 개체 틀 2">
+            <a:extLst>
+              <a:ext uri="{FF2B5EF4-FFF2-40B4-BE49-F238E27FC236}">
+                <a16:creationId xmlns:a16="http://schemas.microsoft.com/office/drawing/2014/main" id="{DE919FCD-55A1-414D-9DB1-85BB1798A9E7}"/>
+              </a:ext>
+            </a:extLst>
+          </p:cNvPr>
+          <p:cNvSpPr txBox="1">
+            <a:spLocks/>
+          </p:cNvSpPr>
+          <p:nvPr/>
+        </p:nvSpPr>
+        <p:spPr>
+          <a:xfrm>
+            <a:off x="6743898" y="932155"/>
+            <a:ext cx="5240956" cy="2885243"/>
+          </a:xfrm>
+          <a:prstGeom prst="rect">
+            <a:avLst/>
+          </a:prstGeom>
+        </p:spPr>
+        <p:txBody>
+          <a:bodyPr vert="horz" lIns="91440" tIns="45720" rIns="91440" bIns="45720" rtlCol="0">
+            <a:noAutofit/>
+          </a:bodyPr>
+          <a:lstStyle>
+            <a:lvl1pPr marL="228600" indent="-228600" algn="l" defTabSz="914400" rtl="0" eaLnBrk="1" latinLnBrk="1" hangingPunct="1">
+              <a:lnSpc>
+                <a:spcPct val="90000"/>
+              </a:lnSpc>
+              <a:spcBef>
+                <a:spcPts val="1000"/>
+              </a:spcBef>
+              <a:buFont typeface="Arial" panose="020B0604020202020204" pitchFamily="34" charset="0"/>
+              <a:buChar char="•"/>
+              <a:defRPr sz="2800" kern="1200">
+                <a:solidFill>
+                  <a:schemeClr val="tx1"/>
+                </a:solidFill>
+                <a:latin typeface="+mn-lt"/>
+                <a:ea typeface="+mn-ea"/>
+                <a:cs typeface="+mn-cs"/>
+              </a:defRPr>
+            </a:lvl1pPr>
+            <a:lvl2pPr marL="685800" indent="-228600" algn="l" defTabSz="914400" rtl="0" eaLnBrk="1" latinLnBrk="1" hangingPunct="1">
+              <a:lnSpc>
+                <a:spcPct val="90000"/>
+              </a:lnSpc>
+              <a:spcBef>
+                <a:spcPts val="500"/>
+              </a:spcBef>
+              <a:buFont typeface="Arial" panose="020B0604020202020204" pitchFamily="34" charset="0"/>
+              <a:buChar char="•"/>
+              <a:defRPr sz="2400" kern="1200">
+                <a:solidFill>
+                  <a:schemeClr val="tx1"/>
+                </a:solidFill>
+                <a:latin typeface="+mn-lt"/>
+                <a:ea typeface="+mn-ea"/>
+                <a:cs typeface="+mn-cs"/>
+              </a:defRPr>
+            </a:lvl2pPr>
+            <a:lvl3pPr marL="1143000" indent="-228600" algn="l" defTabSz="914400" rtl="0" eaLnBrk="1" latinLnBrk="1" hangingPunct="1">
+              <a:lnSpc>
+                <a:spcPct val="90000"/>
+              </a:lnSpc>
+              <a:spcBef>
+                <a:spcPts val="500"/>
+              </a:spcBef>
+              <a:buFont typeface="Arial" panose="020B0604020202020204" pitchFamily="34" charset="0"/>
+              <a:buChar char="•"/>
+              <a:defRPr sz="2000" kern="1200">
+                <a:solidFill>
+                  <a:schemeClr val="tx1"/>
+                </a:solidFill>
+                <a:latin typeface="+mn-lt"/>
+                <a:ea typeface="+mn-ea"/>
+                <a:cs typeface="+mn-cs"/>
+              </a:defRPr>
+            </a:lvl3pPr>
+            <a:lvl4pPr marL="1600200" indent="-228600" algn="l" defTabSz="914400" rtl="0" eaLnBrk="1" latinLnBrk="1" hangingPunct="1">
+              <a:lnSpc>
+                <a:spcPct val="90000"/>
+              </a:lnSpc>
+              <a:spcBef>
+                <a:spcPts val="500"/>
+              </a:spcBef>
+              <a:buFont typeface="Arial" panose="020B0604020202020204" pitchFamily="34" charset="0"/>
+              <a:buChar char="•"/>
+              <a:defRPr sz="1800" kern="1200">
+                <a:solidFill>
+                  <a:schemeClr val="tx1"/>
+                </a:solidFill>
+                <a:latin typeface="+mn-lt"/>
+                <a:ea typeface="+mn-ea"/>
+                <a:cs typeface="+mn-cs"/>
+              </a:defRPr>
+            </a:lvl4pPr>
+            <a:lvl5pPr marL="2057400" indent="-228600" algn="l" defTabSz="914400" rtl="0" eaLnBrk="1" latinLnBrk="1" hangingPunct="1">
+              <a:lnSpc>
+                <a:spcPct val="90000"/>
+              </a:lnSpc>
+              <a:spcBef>
+                <a:spcPts val="500"/>
+              </a:spcBef>
+              <a:buFont typeface="Arial" panose="020B0604020202020204" pitchFamily="34" charset="0"/>
+              <a:buChar char="•"/>
+              <a:defRPr sz="1800" kern="1200">
+                <a:solidFill>
+                  <a:schemeClr val="tx1"/>
+                </a:solidFill>
+                <a:latin typeface="+mn-lt"/>
+                <a:ea typeface="+mn-ea"/>
+                <a:cs typeface="+mn-cs"/>
+              </a:defRPr>
+            </a:lvl5pPr>
+            <a:lvl6pPr marL="2514600" indent="-228600" algn="l" defTabSz="914400" rtl="0" eaLnBrk="1" latinLnBrk="1" hangingPunct="1">
+              <a:lnSpc>
+                <a:spcPct val="90000"/>
+              </a:lnSpc>
+              <a:spcBef>
+                <a:spcPts val="500"/>
+              </a:spcBef>
+              <a:buFont typeface="Arial" panose="020B0604020202020204" pitchFamily="34" charset="0"/>
+              <a:buChar char="•"/>
+              <a:defRPr sz="1800" kern="1200">
+                <a:solidFill>
+                  <a:schemeClr val="tx1"/>
+                </a:solidFill>
+                <a:latin typeface="+mn-lt"/>
+                <a:ea typeface="+mn-ea"/>
+                <a:cs typeface="+mn-cs"/>
+              </a:defRPr>
+            </a:lvl6pPr>
+            <a:lvl7pPr marL="2971800" indent="-228600" algn="l" defTabSz="914400" rtl="0" eaLnBrk="1" latinLnBrk="1" hangingPunct="1">
+              <a:lnSpc>
+                <a:spcPct val="90000"/>
+              </a:lnSpc>
+              <a:spcBef>
+                <a:spcPts val="500"/>
+              </a:spcBef>
+              <a:buFont typeface="Arial" panose="020B0604020202020204" pitchFamily="34" charset="0"/>
+              <a:buChar char="•"/>
+              <a:defRPr sz="1800" kern="1200">
+                <a:solidFill>
+                  <a:schemeClr val="tx1"/>
+                </a:solidFill>
+                <a:latin typeface="+mn-lt"/>
+                <a:ea typeface="+mn-ea"/>
+                <a:cs typeface="+mn-cs"/>
+              </a:defRPr>
+            </a:lvl7pPr>
+            <a:lvl8pPr marL="3429000" indent="-228600" algn="l" defTabSz="914400" rtl="0" eaLnBrk="1" latinLnBrk="1" hangingPunct="1">
+              <a:lnSpc>
+                <a:spcPct val="90000"/>
+              </a:lnSpc>
+              <a:spcBef>
+                <a:spcPts val="500"/>
+              </a:spcBef>
+              <a:buFont typeface="Arial" panose="020B0604020202020204" pitchFamily="34" charset="0"/>
+              <a:buChar char="•"/>
+              <a:defRPr sz="1800" kern="1200">
+                <a:solidFill>
+                  <a:schemeClr val="tx1"/>
+                </a:solidFill>
+                <a:latin typeface="+mn-lt"/>
+                <a:ea typeface="+mn-ea"/>
+                <a:cs typeface="+mn-cs"/>
+              </a:defRPr>
+            </a:lvl8pPr>
+            <a:lvl9pPr marL="3886200" indent="-228600" algn="l" defTabSz="914400" rtl="0" eaLnBrk="1" latinLnBrk="1" hangingPunct="1">
+              <a:lnSpc>
+                <a:spcPct val="90000"/>
+              </a:lnSpc>
+              <a:spcBef>
+                <a:spcPts val="500"/>
+              </a:spcBef>
+              <a:buFont typeface="Arial" panose="020B0604020202020204" pitchFamily="34" charset="0"/>
+              <a:buChar char="•"/>
+              <a:defRPr sz="1800" kern="1200">
+                <a:solidFill>
+                  <a:schemeClr val="tx1"/>
+                </a:solidFill>
+                <a:latin typeface="+mn-lt"/>
+                <a:ea typeface="+mn-ea"/>
+                <a:cs typeface="+mn-cs"/>
+              </a:defRPr>
+            </a:lvl9pPr>
+          </a:lstStyle>
+          <a:p>
+            <a:pPr marL="0" indent="0">
+              <a:buFont typeface="Arial" panose="020B0604020202020204" pitchFamily="34" charset="0"/>
+              <a:buNone/>
+            </a:pPr>
+            <a:r>
+              <a:rPr lang="en-US" altLang="ko-KR" sz="1400" dirty="0"/>
+              <a:t>PM 10,</a:t>
+            </a:r>
+            <a:r>
+              <a:rPr lang="ko-KR" altLang="en-US" sz="1400" dirty="0"/>
+              <a:t> </a:t>
+            </a:r>
+            <a:r>
+              <a:rPr lang="en-US" altLang="ko-KR" sz="1400" dirty="0"/>
+              <a:t>PM</a:t>
+            </a:r>
+            <a:r>
+              <a:rPr lang="ko-KR" altLang="en-US" sz="1400" dirty="0"/>
+              <a:t> </a:t>
+            </a:r>
+            <a:r>
+              <a:rPr lang="en-US" altLang="ko-KR" sz="1400" dirty="0"/>
+              <a:t>2.5</a:t>
+            </a:r>
+            <a:r>
+              <a:rPr lang="ko-KR" altLang="en-US" sz="1400" dirty="0"/>
+              <a:t>와 마스크 판매량</a:t>
+            </a:r>
+            <a:r>
+              <a:rPr lang="en-US" altLang="ko-KR" sz="1400" dirty="0"/>
+              <a:t>(</a:t>
+            </a:r>
+            <a:r>
+              <a:rPr lang="ko-KR" altLang="en-US" sz="1400" dirty="0"/>
+              <a:t>금액</a:t>
+            </a:r>
+            <a:r>
+              <a:rPr lang="en-US" altLang="ko-KR" sz="1400" dirty="0"/>
+              <a:t>, </a:t>
+            </a:r>
+            <a:r>
+              <a:rPr lang="ko-KR" altLang="en-US" sz="1400" dirty="0"/>
+              <a:t>수량</a:t>
+            </a:r>
+            <a:r>
+              <a:rPr lang="en-US" altLang="ko-KR" sz="1400" dirty="0"/>
+              <a:t>) </a:t>
+            </a:r>
+            <a:r>
+              <a:rPr lang="ko-KR" altLang="en-US" sz="1400" dirty="0"/>
+              <a:t>간에 높은 양의 상관관계 존재</a:t>
+            </a:r>
+            <a:r>
+              <a:rPr lang="en-US" altLang="ko-KR" sz="1400" dirty="0"/>
+              <a:t>(0.7 ~ 0.8 </a:t>
+            </a:r>
+            <a:r>
+              <a:rPr lang="ko-KR" altLang="en-US" sz="1400" dirty="0"/>
+              <a:t>수준</a:t>
+            </a:r>
+            <a:r>
+              <a:rPr lang="en-US" altLang="ko-KR" sz="1400" dirty="0"/>
+              <a:t>)</a:t>
+            </a:r>
+          </a:p>
+          <a:p>
+            <a:pPr>
+              <a:buFontTx/>
+              <a:buChar char="-"/>
+            </a:pPr>
+            <a:r>
+              <a:rPr lang="ko-KR" altLang="en-US" sz="1400" dirty="0"/>
+              <a:t>미세먼지 농도가 높을 수록 판매량 증가</a:t>
+            </a:r>
+            <a:endParaRPr lang="en-US" altLang="ko-KR" sz="1400" dirty="0"/>
+          </a:p>
+          <a:p>
+            <a:pPr marL="0" indent="0">
+              <a:buNone/>
+            </a:pPr>
+            <a:endParaRPr lang="en-US" altLang="ko-KR" sz="1400" dirty="0"/>
+          </a:p>
+          <a:p>
+            <a:pPr marL="0" indent="0">
+              <a:buNone/>
+            </a:pPr>
+            <a:r>
+              <a:rPr lang="ko-KR" altLang="en-US" sz="1400" dirty="0"/>
+              <a:t>기온</a:t>
+            </a:r>
+            <a:r>
+              <a:rPr lang="en-US" altLang="ko-KR" sz="1400" dirty="0"/>
+              <a:t>(°C), </a:t>
+            </a:r>
+            <a:r>
+              <a:rPr lang="ko-KR" altLang="en-US" sz="1400" dirty="0"/>
+              <a:t>체감온도와는 낮은 음의 상관관계</a:t>
+            </a:r>
+            <a:endParaRPr lang="en-US" altLang="ko-KR" sz="1400" dirty="0"/>
+          </a:p>
+          <a:p>
+            <a:pPr>
+              <a:buFontTx/>
+              <a:buChar char="-"/>
+            </a:pPr>
+            <a:r>
+              <a:rPr lang="ko-KR" altLang="en-US" sz="1400" dirty="0"/>
+              <a:t>날씨가 추울수록 마스크 수요 소폭 증가</a:t>
+            </a:r>
+            <a:endParaRPr lang="en-US" altLang="ko-KR" sz="1400" dirty="0"/>
+          </a:p>
+          <a:p>
+            <a:pPr marL="0" indent="0">
+              <a:buNone/>
+            </a:pPr>
+            <a:endParaRPr lang="en-US" altLang="ko-KR" sz="1400" dirty="0"/>
+          </a:p>
+          <a:p>
+            <a:pPr marL="0" indent="0">
+              <a:buNone/>
+            </a:pPr>
+            <a:r>
+              <a:rPr lang="ko-KR" altLang="en-US" sz="1400" dirty="0"/>
+              <a:t>일조시간</a:t>
+            </a:r>
+            <a:r>
+              <a:rPr lang="en-US" altLang="ko-KR" sz="1400" dirty="0"/>
+              <a:t>, </a:t>
+            </a:r>
+            <a:r>
+              <a:rPr lang="ko-KR" altLang="en-US" sz="1400" dirty="0"/>
+              <a:t>풍속 등은 영향 미미 </a:t>
+            </a:r>
+            <a:r>
+              <a:rPr lang="en-US" altLang="ko-KR" sz="1400" dirty="0"/>
+              <a:t>/ </a:t>
+            </a:r>
+            <a:r>
+              <a:rPr lang="ko-KR" altLang="en-US" sz="1400" dirty="0"/>
+              <a:t>습도는 거의 무관</a:t>
+            </a:r>
+            <a:endParaRPr lang="en-US" altLang="ko-KR" sz="1400" dirty="0"/>
+          </a:p>
+          <a:p>
+            <a:pPr marL="0" indent="0">
+              <a:buNone/>
+            </a:pPr>
+            <a:endParaRPr lang="en-US" altLang="ko-KR" sz="1400" dirty="0"/>
+          </a:p>
+          <a:p>
+            <a:pPr marL="0" indent="0">
+              <a:buNone/>
+            </a:pPr>
+            <a:r>
+              <a:rPr lang="en-US" altLang="ko-KR" sz="1400" dirty="0"/>
+              <a:t>CO, NO2 </a:t>
+            </a:r>
+            <a:r>
+              <a:rPr lang="ko-KR" altLang="en-US" sz="1400" dirty="0"/>
+              <a:t>등 기체 오염물질과 판매량은 약한 관계</a:t>
+            </a:r>
+            <a:endParaRPr lang="en-US" altLang="ko-KR" sz="1400" dirty="0"/>
+          </a:p>
+        </p:txBody>
+      </p:sp>
+      <p:sp>
+        <p:nvSpPr>
+          <p:cNvPr id="8" name="사각형: 둥근 모서리 7">
+            <a:extLst>
+              <a:ext uri="{FF2B5EF4-FFF2-40B4-BE49-F238E27FC236}">
+                <a16:creationId xmlns:a16="http://schemas.microsoft.com/office/drawing/2014/main" id="{149C9AFE-0579-4C7F-98E0-B731A36F5B68}"/>
+              </a:ext>
+            </a:extLst>
+          </p:cNvPr>
+          <p:cNvSpPr/>
+          <p:nvPr/>
+        </p:nvSpPr>
+        <p:spPr>
+          <a:xfrm>
+            <a:off x="6933460" y="4545366"/>
+            <a:ext cx="4815397" cy="1651247"/>
+          </a:xfrm>
+          <a:prstGeom prst="roundRect">
+            <a:avLst/>
+          </a:prstGeom>
+          <a:noFill/>
+        </p:spPr>
+        <p:style>
+          <a:lnRef idx="2">
+            <a:schemeClr val="accent1">
+              <a:shade val="50000"/>
+            </a:schemeClr>
+          </a:lnRef>
+          <a:fillRef idx="1">
+            <a:schemeClr val="accent1"/>
+          </a:fillRef>
+          <a:effectRef idx="0">
+            <a:schemeClr val="accent1"/>
+          </a:effectRef>
+          <a:fontRef idx="minor">
+            <a:schemeClr val="lt1"/>
+          </a:fontRef>
+        </p:style>
+        <p:txBody>
+          <a:bodyPr rtlCol="0" anchor="ctr"/>
+          <a:lstStyle/>
+          <a:p>
+            <a:pPr algn="ctr"/>
+            <a:endParaRPr lang="ko-KR" altLang="en-US"/>
+          </a:p>
+        </p:txBody>
+      </p:sp>
+      <p:sp>
+        <p:nvSpPr>
+          <p:cNvPr id="9" name="내용 개체 틀 2">
+            <a:extLst>
+              <a:ext uri="{FF2B5EF4-FFF2-40B4-BE49-F238E27FC236}">
+                <a16:creationId xmlns:a16="http://schemas.microsoft.com/office/drawing/2014/main" id="{87749130-E40B-44EF-B9DB-5202971CFC3D}"/>
+              </a:ext>
+            </a:extLst>
+          </p:cNvPr>
+          <p:cNvSpPr txBox="1">
+            <a:spLocks/>
+          </p:cNvSpPr>
+          <p:nvPr/>
+        </p:nvSpPr>
+        <p:spPr>
+          <a:xfrm>
+            <a:off x="7327406" y="5021032"/>
+            <a:ext cx="4073940" cy="699913"/>
+          </a:xfrm>
+          <a:prstGeom prst="rect">
+            <a:avLst/>
+          </a:prstGeom>
+        </p:spPr>
+        <p:txBody>
+          <a:bodyPr vert="horz" lIns="91440" tIns="45720" rIns="91440" bIns="45720" rtlCol="0">
+            <a:normAutofit/>
+          </a:bodyPr>
+          <a:lstStyle>
+            <a:lvl1pPr marL="228600" indent="-228600" algn="l" defTabSz="914400" rtl="0" eaLnBrk="1" latinLnBrk="1" hangingPunct="1">
+              <a:lnSpc>
+                <a:spcPct val="90000"/>
+              </a:lnSpc>
+              <a:spcBef>
+                <a:spcPts val="1000"/>
+              </a:spcBef>
+              <a:buFont typeface="Arial" panose="020B0604020202020204" pitchFamily="34" charset="0"/>
+              <a:buChar char="•"/>
+              <a:defRPr sz="2800" kern="1200">
+                <a:solidFill>
+                  <a:schemeClr val="tx1"/>
+                </a:solidFill>
+                <a:latin typeface="+mn-lt"/>
+                <a:ea typeface="+mn-ea"/>
+                <a:cs typeface="+mn-cs"/>
+              </a:defRPr>
+            </a:lvl1pPr>
+            <a:lvl2pPr marL="685800" indent="-228600" algn="l" defTabSz="914400" rtl="0" eaLnBrk="1" latinLnBrk="1" hangingPunct="1">
+              <a:lnSpc>
+                <a:spcPct val="90000"/>
+              </a:lnSpc>
+              <a:spcBef>
+                <a:spcPts val="500"/>
+              </a:spcBef>
+              <a:buFont typeface="Arial" panose="020B0604020202020204" pitchFamily="34" charset="0"/>
+              <a:buChar char="•"/>
+              <a:defRPr sz="2400" kern="1200">
+                <a:solidFill>
+                  <a:schemeClr val="tx1"/>
+                </a:solidFill>
+                <a:latin typeface="+mn-lt"/>
+                <a:ea typeface="+mn-ea"/>
+                <a:cs typeface="+mn-cs"/>
+              </a:defRPr>
+            </a:lvl2pPr>
+            <a:lvl3pPr marL="1143000" indent="-228600" algn="l" defTabSz="914400" rtl="0" eaLnBrk="1" latinLnBrk="1" hangingPunct="1">
+              <a:lnSpc>
+                <a:spcPct val="90000"/>
+              </a:lnSpc>
+              <a:spcBef>
+                <a:spcPts val="500"/>
+              </a:spcBef>
+              <a:buFont typeface="Arial" panose="020B0604020202020204" pitchFamily="34" charset="0"/>
+              <a:buChar char="•"/>
+              <a:defRPr sz="2000" kern="1200">
+                <a:solidFill>
+                  <a:schemeClr val="tx1"/>
+                </a:solidFill>
+                <a:latin typeface="+mn-lt"/>
+                <a:ea typeface="+mn-ea"/>
+                <a:cs typeface="+mn-cs"/>
+              </a:defRPr>
+            </a:lvl3pPr>
+            <a:lvl4pPr marL="1600200" indent="-228600" algn="l" defTabSz="914400" rtl="0" eaLnBrk="1" latinLnBrk="1" hangingPunct="1">
+              <a:lnSpc>
+                <a:spcPct val="90000"/>
+              </a:lnSpc>
+              <a:spcBef>
+                <a:spcPts val="500"/>
+              </a:spcBef>
+              <a:buFont typeface="Arial" panose="020B0604020202020204" pitchFamily="34" charset="0"/>
+              <a:buChar char="•"/>
+              <a:defRPr sz="1800" kern="1200">
+                <a:solidFill>
+                  <a:schemeClr val="tx1"/>
+                </a:solidFill>
+                <a:latin typeface="+mn-lt"/>
+                <a:ea typeface="+mn-ea"/>
+                <a:cs typeface="+mn-cs"/>
+              </a:defRPr>
+            </a:lvl4pPr>
+            <a:lvl5pPr marL="2057400" indent="-228600" algn="l" defTabSz="914400" rtl="0" eaLnBrk="1" latinLnBrk="1" hangingPunct="1">
+              <a:lnSpc>
+                <a:spcPct val="90000"/>
+              </a:lnSpc>
+              <a:spcBef>
+                <a:spcPts val="500"/>
+              </a:spcBef>
+              <a:buFont typeface="Arial" panose="020B0604020202020204" pitchFamily="34" charset="0"/>
+              <a:buChar char="•"/>
+              <a:defRPr sz="1800" kern="1200">
+                <a:solidFill>
+                  <a:schemeClr val="tx1"/>
+                </a:solidFill>
+                <a:latin typeface="+mn-lt"/>
+                <a:ea typeface="+mn-ea"/>
+                <a:cs typeface="+mn-cs"/>
+              </a:defRPr>
+            </a:lvl5pPr>
+            <a:lvl6pPr marL="2514600" indent="-228600" algn="l" defTabSz="914400" rtl="0" eaLnBrk="1" latinLnBrk="1" hangingPunct="1">
+              <a:lnSpc>
+                <a:spcPct val="90000"/>
+              </a:lnSpc>
+              <a:spcBef>
+                <a:spcPts val="500"/>
+              </a:spcBef>
+              <a:buFont typeface="Arial" panose="020B0604020202020204" pitchFamily="34" charset="0"/>
+              <a:buChar char="•"/>
+              <a:defRPr sz="1800" kern="1200">
+                <a:solidFill>
+                  <a:schemeClr val="tx1"/>
+                </a:solidFill>
+                <a:latin typeface="+mn-lt"/>
+                <a:ea typeface="+mn-ea"/>
+                <a:cs typeface="+mn-cs"/>
+              </a:defRPr>
+            </a:lvl6pPr>
+            <a:lvl7pPr marL="2971800" indent="-228600" algn="l" defTabSz="914400" rtl="0" eaLnBrk="1" latinLnBrk="1" hangingPunct="1">
+              <a:lnSpc>
+                <a:spcPct val="90000"/>
+              </a:lnSpc>
+              <a:spcBef>
+                <a:spcPts val="500"/>
+              </a:spcBef>
+              <a:buFont typeface="Arial" panose="020B0604020202020204" pitchFamily="34" charset="0"/>
+              <a:buChar char="•"/>
+              <a:defRPr sz="1800" kern="1200">
+                <a:solidFill>
+                  <a:schemeClr val="tx1"/>
+                </a:solidFill>
+                <a:latin typeface="+mn-lt"/>
+                <a:ea typeface="+mn-ea"/>
+                <a:cs typeface="+mn-cs"/>
+              </a:defRPr>
+            </a:lvl7pPr>
+            <a:lvl8pPr marL="3429000" indent="-228600" algn="l" defTabSz="914400" rtl="0" eaLnBrk="1" latinLnBrk="1" hangingPunct="1">
+              <a:lnSpc>
+                <a:spcPct val="90000"/>
+              </a:lnSpc>
+              <a:spcBef>
+                <a:spcPts val="500"/>
+              </a:spcBef>
+              <a:buFont typeface="Arial" panose="020B0604020202020204" pitchFamily="34" charset="0"/>
+              <a:buChar char="•"/>
+              <a:defRPr sz="1800" kern="1200">
+                <a:solidFill>
+                  <a:schemeClr val="tx1"/>
+                </a:solidFill>
+                <a:latin typeface="+mn-lt"/>
+                <a:ea typeface="+mn-ea"/>
+                <a:cs typeface="+mn-cs"/>
+              </a:defRPr>
+            </a:lvl8pPr>
+            <a:lvl9pPr marL="3886200" indent="-228600" algn="l" defTabSz="914400" rtl="0" eaLnBrk="1" latinLnBrk="1" hangingPunct="1">
+              <a:lnSpc>
+                <a:spcPct val="90000"/>
+              </a:lnSpc>
+              <a:spcBef>
+                <a:spcPts val="500"/>
+              </a:spcBef>
+              <a:buFont typeface="Arial" panose="020B0604020202020204" pitchFamily="34" charset="0"/>
+              <a:buChar char="•"/>
+              <a:defRPr sz="1800" kern="1200">
+                <a:solidFill>
+                  <a:schemeClr val="tx1"/>
+                </a:solidFill>
+                <a:latin typeface="+mn-lt"/>
+                <a:ea typeface="+mn-ea"/>
+                <a:cs typeface="+mn-cs"/>
+              </a:defRPr>
+            </a:lvl9pPr>
+          </a:lstStyle>
+          <a:p>
+            <a:pPr marL="0" indent="0">
+              <a:buFont typeface="Arial" panose="020B0604020202020204" pitchFamily="34" charset="0"/>
+              <a:buNone/>
+            </a:pPr>
+            <a:r>
+              <a:rPr lang="ko-KR" altLang="en-US" sz="1600" dirty="0"/>
+              <a:t>핵심 결론</a:t>
+            </a:r>
+            <a:r>
+              <a:rPr lang="en-US" altLang="ko-KR" sz="1600" dirty="0"/>
+              <a:t>: </a:t>
+            </a:r>
+            <a:r>
+              <a:rPr lang="ko-KR" altLang="en-US" sz="1600" dirty="0"/>
+              <a:t>미세먼지는 마스크 수요의 중요한 예측 변수로 활용 가능</a:t>
+            </a:r>
+          </a:p>
+        </p:txBody>
+      </p:sp>
+    </p:spTree>
+    <p:extLst>
+      <p:ext uri="{BB962C8B-B14F-4D97-AF65-F5344CB8AC3E}">
+        <p14:creationId xmlns:p14="http://schemas.microsoft.com/office/powerpoint/2010/main" val="3872172072"/>
       </p:ext>
     </p:extLst>
   </p:cSld>
